--- a/Week-2/Day-1/Delta_Lake.pptx
+++ b/Week-2/Day-1/Delta_Lake.pptx
@@ -7,14 +7,19 @@
   <p:sldIdLst>
     <p:sldId id="256" r:id="rId2"/>
     <p:sldId id="257" r:id="rId3"/>
-    <p:sldId id="265" r:id="rId4"/>
-    <p:sldId id="258" r:id="rId5"/>
-    <p:sldId id="259" r:id="rId6"/>
-    <p:sldId id="260" r:id="rId7"/>
-    <p:sldId id="261" r:id="rId8"/>
-    <p:sldId id="262" r:id="rId9"/>
-    <p:sldId id="263" r:id="rId10"/>
-    <p:sldId id="264" r:id="rId11"/>
+    <p:sldId id="270" r:id="rId4"/>
+    <p:sldId id="265" r:id="rId5"/>
+    <p:sldId id="258" r:id="rId6"/>
+    <p:sldId id="259" r:id="rId7"/>
+    <p:sldId id="260" r:id="rId8"/>
+    <p:sldId id="261" r:id="rId9"/>
+    <p:sldId id="262" r:id="rId10"/>
+    <p:sldId id="267" r:id="rId11"/>
+    <p:sldId id="263" r:id="rId12"/>
+    <p:sldId id="264" r:id="rId13"/>
+    <p:sldId id="266" r:id="rId14"/>
+    <p:sldId id="268" r:id="rId15"/>
+    <p:sldId id="269" r:id="rId16"/>
   </p:sldIdLst>
   <p:sldSz cx="9144000" cy="6858000" type="screen4x3"/>
   <p:notesSz cx="6858000" cy="9144000"/>
@@ -16378,6 +16383,1138 @@
       </p:grpSpPr>
       <p:sp>
         <p:nvSpPr>
+          <p:cNvPr id="2" name="Title 1">
+            <a:extLst>
+              <a:ext uri="{FF2B5EF4-FFF2-40B4-BE49-F238E27FC236}">
+                <a16:creationId xmlns:a16="http://schemas.microsoft.com/office/drawing/2014/main" id="{BD2A5094-0A6F-8AC8-0A39-B48B9D525C23}"/>
+              </a:ext>
+            </a:extLst>
+          </p:cNvPr>
+          <p:cNvSpPr>
+            <a:spLocks noGrp="1"/>
+          </p:cNvSpPr>
+          <p:nvPr>
+            <p:ph type="title"/>
+          </p:nvPr>
+        </p:nvSpPr>
+        <p:spPr/>
+        <p:txBody>
+          <a:bodyPr/>
+          <a:lstStyle/>
+          <a:p>
+            <a:r>
+              <a:rPr lang="en-US" dirty="0"/>
+              <a:t>Partitioning vs z-Order vs Caching</a:t>
+            </a:r>
+            <a:endParaRPr lang="en-IN" dirty="0"/>
+          </a:p>
+        </p:txBody>
+      </p:sp>
+      <p:graphicFrame>
+        <p:nvGraphicFramePr>
+          <p:cNvPr id="4" name="Content Placeholder 3">
+            <a:extLst>
+              <a:ext uri="{FF2B5EF4-FFF2-40B4-BE49-F238E27FC236}">
+                <a16:creationId xmlns:a16="http://schemas.microsoft.com/office/drawing/2014/main" id="{29A6043B-B472-441E-CA86-89233DCBB926}"/>
+              </a:ext>
+            </a:extLst>
+          </p:cNvPr>
+          <p:cNvGraphicFramePr>
+            <a:graphicFrameLocks noGrp="1"/>
+          </p:cNvGraphicFramePr>
+          <p:nvPr>
+            <p:ph idx="1"/>
+            <p:extLst>
+              <p:ext uri="{D42A27DB-BD31-4B8C-83A1-F6EECF244321}">
+                <p14:modId xmlns:p14="http://schemas.microsoft.com/office/powerpoint/2010/main" val="4110243207"/>
+              </p:ext>
+            </p:extLst>
+          </p:nvPr>
+        </p:nvGraphicFramePr>
+        <p:xfrm>
+          <a:off x="768350" y="1948070"/>
+          <a:ext cx="7779300" cy="4591876"/>
+        </p:xfrm>
+        <a:graphic>
+          <a:graphicData uri="http://schemas.openxmlformats.org/drawingml/2006/table">
+            <a:tbl>
+              <a:tblPr firstRow="1" firstCol="1" bandRow="1">
+                <a:tableStyleId>{5C22544A-7EE6-4342-B048-85BDC9FD1C3A}</a:tableStyleId>
+              </a:tblPr>
+              <a:tblGrid>
+                <a:gridCol w="1944825">
+                  <a:extLst>
+                    <a:ext uri="{9D8B030D-6E8A-4147-A177-3AD203B41FA5}">
+                      <a16:colId xmlns:a16="http://schemas.microsoft.com/office/drawing/2014/main" val="4031806863"/>
+                    </a:ext>
+                  </a:extLst>
+                </a:gridCol>
+                <a:gridCol w="1944825">
+                  <a:extLst>
+                    <a:ext uri="{9D8B030D-6E8A-4147-A177-3AD203B41FA5}">
+                      <a16:colId xmlns:a16="http://schemas.microsoft.com/office/drawing/2014/main" val="3439454917"/>
+                    </a:ext>
+                  </a:extLst>
+                </a:gridCol>
+                <a:gridCol w="1944825">
+                  <a:extLst>
+                    <a:ext uri="{9D8B030D-6E8A-4147-A177-3AD203B41FA5}">
+                      <a16:colId xmlns:a16="http://schemas.microsoft.com/office/drawing/2014/main" val="618693456"/>
+                    </a:ext>
+                  </a:extLst>
+                </a:gridCol>
+                <a:gridCol w="1944825">
+                  <a:extLst>
+                    <a:ext uri="{9D8B030D-6E8A-4147-A177-3AD203B41FA5}">
+                      <a16:colId xmlns:a16="http://schemas.microsoft.com/office/drawing/2014/main" val="418158583"/>
+                    </a:ext>
+                  </a:extLst>
+                </a:gridCol>
+              </a:tblGrid>
+              <a:tr h="359428">
+                <a:tc>
+                  <a:txBody>
+                    <a:bodyPr/>
+                    <a:lstStyle/>
+                    <a:p>
+                      <a:pPr>
+                        <a:lnSpc>
+                          <a:spcPct val="115000"/>
+                        </a:lnSpc>
+                        <a:spcAft>
+                          <a:spcPts val="1000"/>
+                        </a:spcAft>
+                        <a:buNone/>
+                      </a:pPr>
+                      <a:r>
+                        <a:rPr lang="en-IN" sz="1100">
+                          <a:effectLst/>
+                        </a:rPr>
+                        <a:t>Feature</a:t>
+                      </a:r>
+                      <a:endParaRPr lang="en-IN" sz="1100">
+                        <a:effectLst/>
+                        <a:latin typeface="Calibri" panose="020F0502020204030204" pitchFamily="34" charset="0"/>
+                        <a:ea typeface="Calibri" panose="020F0502020204030204" pitchFamily="34" charset="0"/>
+                        <a:cs typeface="Times New Roman" panose="02020603050405020304" pitchFamily="18" charset="0"/>
+                      </a:endParaRPr>
+                    </a:p>
+                  </a:txBody>
+                  <a:tcPr marL="9525" marR="9525" marT="9525" marB="9525" anchor="ctr"/>
+                </a:tc>
+                <a:tc>
+                  <a:txBody>
+                    <a:bodyPr/>
+                    <a:lstStyle/>
+                    <a:p>
+                      <a:pPr>
+                        <a:lnSpc>
+                          <a:spcPct val="115000"/>
+                        </a:lnSpc>
+                        <a:spcAft>
+                          <a:spcPts val="1000"/>
+                        </a:spcAft>
+                        <a:buNone/>
+                      </a:pPr>
+                      <a:r>
+                        <a:rPr lang="en-IN" sz="1100">
+                          <a:effectLst/>
+                        </a:rPr>
+                        <a:t>Partitioning</a:t>
+                      </a:r>
+                      <a:endParaRPr lang="en-IN" sz="1100">
+                        <a:effectLst/>
+                        <a:latin typeface="Calibri" panose="020F0502020204030204" pitchFamily="34" charset="0"/>
+                        <a:ea typeface="Calibri" panose="020F0502020204030204" pitchFamily="34" charset="0"/>
+                        <a:cs typeface="Times New Roman" panose="02020603050405020304" pitchFamily="18" charset="0"/>
+                      </a:endParaRPr>
+                    </a:p>
+                  </a:txBody>
+                  <a:tcPr marL="9525" marR="9525" marT="9525" marB="9525" anchor="ctr"/>
+                </a:tc>
+                <a:tc>
+                  <a:txBody>
+                    <a:bodyPr/>
+                    <a:lstStyle/>
+                    <a:p>
+                      <a:pPr>
+                        <a:lnSpc>
+                          <a:spcPct val="115000"/>
+                        </a:lnSpc>
+                        <a:spcAft>
+                          <a:spcPts val="1000"/>
+                        </a:spcAft>
+                        <a:buNone/>
+                      </a:pPr>
+                      <a:r>
+                        <a:rPr lang="en-IN" sz="1100">
+                          <a:effectLst/>
+                        </a:rPr>
+                        <a:t>Z-Ordering</a:t>
+                      </a:r>
+                      <a:endParaRPr lang="en-IN" sz="1100">
+                        <a:effectLst/>
+                        <a:latin typeface="Calibri" panose="020F0502020204030204" pitchFamily="34" charset="0"/>
+                        <a:ea typeface="Calibri" panose="020F0502020204030204" pitchFamily="34" charset="0"/>
+                        <a:cs typeface="Times New Roman" panose="02020603050405020304" pitchFamily="18" charset="0"/>
+                      </a:endParaRPr>
+                    </a:p>
+                  </a:txBody>
+                  <a:tcPr marL="9525" marR="9525" marT="9525" marB="9525" anchor="ctr"/>
+                </a:tc>
+                <a:tc>
+                  <a:txBody>
+                    <a:bodyPr/>
+                    <a:lstStyle/>
+                    <a:p>
+                      <a:pPr>
+                        <a:lnSpc>
+                          <a:spcPct val="115000"/>
+                        </a:lnSpc>
+                        <a:spcAft>
+                          <a:spcPts val="1000"/>
+                        </a:spcAft>
+                        <a:buNone/>
+                      </a:pPr>
+                      <a:r>
+                        <a:rPr lang="en-IN" sz="1100">
+                          <a:effectLst/>
+                        </a:rPr>
+                        <a:t>Caching</a:t>
+                      </a:r>
+                      <a:endParaRPr lang="en-IN" sz="1100">
+                        <a:effectLst/>
+                        <a:latin typeface="Calibri" panose="020F0502020204030204" pitchFamily="34" charset="0"/>
+                        <a:ea typeface="Calibri" panose="020F0502020204030204" pitchFamily="34" charset="0"/>
+                        <a:cs typeface="Times New Roman" panose="02020603050405020304" pitchFamily="18" charset="0"/>
+                      </a:endParaRPr>
+                    </a:p>
+                  </a:txBody>
+                  <a:tcPr marL="9525" marR="9525" marT="9525" marB="9525" anchor="ctr"/>
+                </a:tc>
+                <a:extLst>
+                  <a:ext uri="{0D108BD9-81ED-4DB2-BD59-A6C34878D82A}">
+                    <a16:rowId xmlns:a16="http://schemas.microsoft.com/office/drawing/2014/main" val="882837187"/>
+                  </a:ext>
+                </a:extLst>
+              </a:tr>
+              <a:tr h="705408">
+                <a:tc>
+                  <a:txBody>
+                    <a:bodyPr/>
+                    <a:lstStyle/>
+                    <a:p>
+                      <a:pPr>
+                        <a:lnSpc>
+                          <a:spcPct val="115000"/>
+                        </a:lnSpc>
+                        <a:spcAft>
+                          <a:spcPts val="1000"/>
+                        </a:spcAft>
+                        <a:buNone/>
+                      </a:pPr>
+                      <a:r>
+                        <a:rPr lang="en-IN" sz="1100">
+                          <a:effectLst/>
+                        </a:rPr>
+                        <a:t>What it does</a:t>
+                      </a:r>
+                      <a:endParaRPr lang="en-IN" sz="1100">
+                        <a:effectLst/>
+                        <a:latin typeface="Calibri" panose="020F0502020204030204" pitchFamily="34" charset="0"/>
+                        <a:ea typeface="Calibri" panose="020F0502020204030204" pitchFamily="34" charset="0"/>
+                        <a:cs typeface="Times New Roman" panose="02020603050405020304" pitchFamily="18" charset="0"/>
+                      </a:endParaRPr>
+                    </a:p>
+                  </a:txBody>
+                  <a:tcPr marL="9525" marR="9525" marT="9525" marB="9525" anchor="ctr"/>
+                </a:tc>
+                <a:tc>
+                  <a:txBody>
+                    <a:bodyPr/>
+                    <a:lstStyle/>
+                    <a:p>
+                      <a:pPr>
+                        <a:lnSpc>
+                          <a:spcPct val="115000"/>
+                        </a:lnSpc>
+                        <a:spcAft>
+                          <a:spcPts val="1000"/>
+                        </a:spcAft>
+                        <a:buNone/>
+                      </a:pPr>
+                      <a:r>
+                        <a:rPr lang="en-IN" sz="1100">
+                          <a:effectLst/>
+                        </a:rPr>
+                        <a:t>Organizes data into folders by column values</a:t>
+                      </a:r>
+                      <a:endParaRPr lang="en-IN" sz="1100">
+                        <a:effectLst/>
+                        <a:latin typeface="Calibri" panose="020F0502020204030204" pitchFamily="34" charset="0"/>
+                        <a:ea typeface="Calibri" panose="020F0502020204030204" pitchFamily="34" charset="0"/>
+                        <a:cs typeface="Times New Roman" panose="02020603050405020304" pitchFamily="18" charset="0"/>
+                      </a:endParaRPr>
+                    </a:p>
+                  </a:txBody>
+                  <a:tcPr marL="9525" marR="9525" marT="9525" marB="9525" anchor="ctr"/>
+                </a:tc>
+                <a:tc>
+                  <a:txBody>
+                    <a:bodyPr/>
+                    <a:lstStyle/>
+                    <a:p>
+                      <a:pPr>
+                        <a:lnSpc>
+                          <a:spcPct val="115000"/>
+                        </a:lnSpc>
+                        <a:spcAft>
+                          <a:spcPts val="1000"/>
+                        </a:spcAft>
+                        <a:buNone/>
+                      </a:pPr>
+                      <a:r>
+                        <a:rPr lang="en-IN" sz="1100">
+                          <a:effectLst/>
+                        </a:rPr>
+                        <a:t>Reorganizes rows inside files to cluster similar values</a:t>
+                      </a:r>
+                      <a:endParaRPr lang="en-IN" sz="1100">
+                        <a:effectLst/>
+                        <a:latin typeface="Calibri" panose="020F0502020204030204" pitchFamily="34" charset="0"/>
+                        <a:ea typeface="Calibri" panose="020F0502020204030204" pitchFamily="34" charset="0"/>
+                        <a:cs typeface="Times New Roman" panose="02020603050405020304" pitchFamily="18" charset="0"/>
+                      </a:endParaRPr>
+                    </a:p>
+                  </a:txBody>
+                  <a:tcPr marL="9525" marR="9525" marT="9525" marB="9525" anchor="ctr"/>
+                </a:tc>
+                <a:tc>
+                  <a:txBody>
+                    <a:bodyPr/>
+                    <a:lstStyle/>
+                    <a:p>
+                      <a:pPr>
+                        <a:lnSpc>
+                          <a:spcPct val="115000"/>
+                        </a:lnSpc>
+                        <a:spcAft>
+                          <a:spcPts val="1000"/>
+                        </a:spcAft>
+                        <a:buNone/>
+                      </a:pPr>
+                      <a:r>
+                        <a:rPr lang="en-IN" sz="1100">
+                          <a:effectLst/>
+                        </a:rPr>
+                        <a:t>Keeps frequently used data in memory (RAM)</a:t>
+                      </a:r>
+                      <a:endParaRPr lang="en-IN" sz="1100">
+                        <a:effectLst/>
+                        <a:latin typeface="Calibri" panose="020F0502020204030204" pitchFamily="34" charset="0"/>
+                        <a:ea typeface="Calibri" panose="020F0502020204030204" pitchFamily="34" charset="0"/>
+                        <a:cs typeface="Times New Roman" panose="02020603050405020304" pitchFamily="18" charset="0"/>
+                      </a:endParaRPr>
+                    </a:p>
+                  </a:txBody>
+                  <a:tcPr marL="9525" marR="9525" marT="9525" marB="9525" anchor="ctr"/>
+                </a:tc>
+                <a:extLst>
+                  <a:ext uri="{0D108BD9-81ED-4DB2-BD59-A6C34878D82A}">
+                    <a16:rowId xmlns:a16="http://schemas.microsoft.com/office/drawing/2014/main" val="2865914602"/>
+                  </a:ext>
+                </a:extLst>
+              </a:tr>
+              <a:tr h="705408">
+                <a:tc>
+                  <a:txBody>
+                    <a:bodyPr/>
+                    <a:lstStyle/>
+                    <a:p>
+                      <a:pPr>
+                        <a:lnSpc>
+                          <a:spcPct val="115000"/>
+                        </a:lnSpc>
+                        <a:spcAft>
+                          <a:spcPts val="1000"/>
+                        </a:spcAft>
+                        <a:buNone/>
+                      </a:pPr>
+                      <a:r>
+                        <a:rPr lang="en-IN" sz="1100">
+                          <a:effectLst/>
+                        </a:rPr>
+                        <a:t>Skips</a:t>
+                      </a:r>
+                      <a:endParaRPr lang="en-IN" sz="1100">
+                        <a:effectLst/>
+                        <a:latin typeface="Calibri" panose="020F0502020204030204" pitchFamily="34" charset="0"/>
+                        <a:ea typeface="Calibri" panose="020F0502020204030204" pitchFamily="34" charset="0"/>
+                        <a:cs typeface="Times New Roman" panose="02020603050405020304" pitchFamily="18" charset="0"/>
+                      </a:endParaRPr>
+                    </a:p>
+                  </a:txBody>
+                  <a:tcPr marL="9525" marR="9525" marT="9525" marB="9525" anchor="ctr"/>
+                </a:tc>
+                <a:tc>
+                  <a:txBody>
+                    <a:bodyPr/>
+                    <a:lstStyle/>
+                    <a:p>
+                      <a:pPr>
+                        <a:lnSpc>
+                          <a:spcPct val="115000"/>
+                        </a:lnSpc>
+                        <a:spcAft>
+                          <a:spcPts val="1000"/>
+                        </a:spcAft>
+                        <a:buNone/>
+                      </a:pPr>
+                      <a:r>
+                        <a:rPr lang="en-IN" sz="1100" dirty="0">
+                          <a:effectLst/>
+                        </a:rPr>
+                        <a:t>Whole folders (partitions)</a:t>
+                      </a:r>
+                      <a:endParaRPr lang="en-IN" sz="1100" dirty="0">
+                        <a:effectLst/>
+                        <a:latin typeface="Calibri" panose="020F0502020204030204" pitchFamily="34" charset="0"/>
+                        <a:ea typeface="Calibri" panose="020F0502020204030204" pitchFamily="34" charset="0"/>
+                        <a:cs typeface="Times New Roman" panose="02020603050405020304" pitchFamily="18" charset="0"/>
+                      </a:endParaRPr>
+                    </a:p>
+                  </a:txBody>
+                  <a:tcPr marL="9525" marR="9525" marT="9525" marB="9525" anchor="ctr"/>
+                </a:tc>
+                <a:tc>
+                  <a:txBody>
+                    <a:bodyPr/>
+                    <a:lstStyle/>
+                    <a:p>
+                      <a:pPr>
+                        <a:lnSpc>
+                          <a:spcPct val="115000"/>
+                        </a:lnSpc>
+                        <a:spcAft>
+                          <a:spcPts val="1000"/>
+                        </a:spcAft>
+                        <a:buNone/>
+                      </a:pPr>
+                      <a:r>
+                        <a:rPr lang="en-IN" sz="1100">
+                          <a:effectLst/>
+                        </a:rPr>
+                        <a:t>Irrelevant files within a partition</a:t>
+                      </a:r>
+                      <a:endParaRPr lang="en-IN" sz="1100">
+                        <a:effectLst/>
+                        <a:latin typeface="Calibri" panose="020F0502020204030204" pitchFamily="34" charset="0"/>
+                        <a:ea typeface="Calibri" panose="020F0502020204030204" pitchFamily="34" charset="0"/>
+                        <a:cs typeface="Times New Roman" panose="02020603050405020304" pitchFamily="18" charset="0"/>
+                      </a:endParaRPr>
+                    </a:p>
+                  </a:txBody>
+                  <a:tcPr marL="9525" marR="9525" marT="9525" marB="9525" anchor="ctr"/>
+                </a:tc>
+                <a:tc>
+                  <a:txBody>
+                    <a:bodyPr/>
+                    <a:lstStyle/>
+                    <a:p>
+                      <a:pPr>
+                        <a:lnSpc>
+                          <a:spcPct val="115000"/>
+                        </a:lnSpc>
+                        <a:spcAft>
+                          <a:spcPts val="1000"/>
+                        </a:spcAft>
+                        <a:buNone/>
+                      </a:pPr>
+                      <a:r>
+                        <a:rPr lang="en-IN" sz="1100">
+                          <a:effectLst/>
+                        </a:rPr>
+                        <a:t>Skips disk I/O entirely (reads from memory)</a:t>
+                      </a:r>
+                      <a:endParaRPr lang="en-IN" sz="1100">
+                        <a:effectLst/>
+                        <a:latin typeface="Calibri" panose="020F0502020204030204" pitchFamily="34" charset="0"/>
+                        <a:ea typeface="Calibri" panose="020F0502020204030204" pitchFamily="34" charset="0"/>
+                        <a:cs typeface="Times New Roman" panose="02020603050405020304" pitchFamily="18" charset="0"/>
+                      </a:endParaRPr>
+                    </a:p>
+                  </a:txBody>
+                  <a:tcPr marL="9525" marR="9525" marT="9525" marB="9525" anchor="ctr"/>
+                </a:tc>
+                <a:extLst>
+                  <a:ext uri="{0D108BD9-81ED-4DB2-BD59-A6C34878D82A}">
+                    <a16:rowId xmlns:a16="http://schemas.microsoft.com/office/drawing/2014/main" val="2746214870"/>
+                  </a:ext>
+                </a:extLst>
+              </a:tr>
+              <a:tr h="705408">
+                <a:tc>
+                  <a:txBody>
+                    <a:bodyPr/>
+                    <a:lstStyle/>
+                    <a:p>
+                      <a:pPr>
+                        <a:lnSpc>
+                          <a:spcPct val="115000"/>
+                        </a:lnSpc>
+                        <a:spcAft>
+                          <a:spcPts val="1000"/>
+                        </a:spcAft>
+                        <a:buNone/>
+                      </a:pPr>
+                      <a:r>
+                        <a:rPr lang="en-IN" sz="1100">
+                          <a:effectLst/>
+                        </a:rPr>
+                        <a:t>Best for</a:t>
+                      </a:r>
+                      <a:endParaRPr lang="en-IN" sz="1100">
+                        <a:effectLst/>
+                        <a:latin typeface="Calibri" panose="020F0502020204030204" pitchFamily="34" charset="0"/>
+                        <a:ea typeface="Calibri" panose="020F0502020204030204" pitchFamily="34" charset="0"/>
+                        <a:cs typeface="Times New Roman" panose="02020603050405020304" pitchFamily="18" charset="0"/>
+                      </a:endParaRPr>
+                    </a:p>
+                  </a:txBody>
+                  <a:tcPr marL="9525" marR="9525" marT="9525" marB="9525" anchor="ctr"/>
+                </a:tc>
+                <a:tc>
+                  <a:txBody>
+                    <a:bodyPr/>
+                    <a:lstStyle/>
+                    <a:p>
+                      <a:pPr>
+                        <a:lnSpc>
+                          <a:spcPct val="115000"/>
+                        </a:lnSpc>
+                        <a:spcAft>
+                          <a:spcPts val="1000"/>
+                        </a:spcAft>
+                        <a:buNone/>
+                      </a:pPr>
+                      <a:r>
+                        <a:rPr lang="en-IN" sz="1100">
+                          <a:effectLst/>
+                        </a:rPr>
+                        <a:t>Low-cardinality columns (year, region)</a:t>
+                      </a:r>
+                      <a:endParaRPr lang="en-IN" sz="1100">
+                        <a:effectLst/>
+                        <a:latin typeface="Calibri" panose="020F0502020204030204" pitchFamily="34" charset="0"/>
+                        <a:ea typeface="Calibri" panose="020F0502020204030204" pitchFamily="34" charset="0"/>
+                        <a:cs typeface="Times New Roman" panose="02020603050405020304" pitchFamily="18" charset="0"/>
+                      </a:endParaRPr>
+                    </a:p>
+                  </a:txBody>
+                  <a:tcPr marL="9525" marR="9525" marT="9525" marB="9525" anchor="ctr"/>
+                </a:tc>
+                <a:tc>
+                  <a:txBody>
+                    <a:bodyPr/>
+                    <a:lstStyle/>
+                    <a:p>
+                      <a:pPr>
+                        <a:lnSpc>
+                          <a:spcPct val="115000"/>
+                        </a:lnSpc>
+                        <a:spcAft>
+                          <a:spcPts val="1000"/>
+                        </a:spcAft>
+                        <a:buNone/>
+                      </a:pPr>
+                      <a:r>
+                        <a:rPr lang="en-IN" sz="1100">
+                          <a:effectLst/>
+                        </a:rPr>
+                        <a:t>High-cardinality columns (customer_id, email)</a:t>
+                      </a:r>
+                      <a:endParaRPr lang="en-IN" sz="1100">
+                        <a:effectLst/>
+                        <a:latin typeface="Calibri" panose="020F0502020204030204" pitchFamily="34" charset="0"/>
+                        <a:ea typeface="Calibri" panose="020F0502020204030204" pitchFamily="34" charset="0"/>
+                        <a:cs typeface="Times New Roman" panose="02020603050405020304" pitchFamily="18" charset="0"/>
+                      </a:endParaRPr>
+                    </a:p>
+                  </a:txBody>
+                  <a:tcPr marL="9525" marR="9525" marT="9525" marB="9525" anchor="ctr"/>
+                </a:tc>
+                <a:tc>
+                  <a:txBody>
+                    <a:bodyPr/>
+                    <a:lstStyle/>
+                    <a:p>
+                      <a:pPr>
+                        <a:lnSpc>
+                          <a:spcPct val="115000"/>
+                        </a:lnSpc>
+                        <a:spcAft>
+                          <a:spcPts val="1000"/>
+                        </a:spcAft>
+                        <a:buNone/>
+                      </a:pPr>
+                      <a:r>
+                        <a:rPr lang="en-IN" sz="1100">
+                          <a:effectLst/>
+                        </a:rPr>
+                        <a:t>Repeated queries on the same dataset</a:t>
+                      </a:r>
+                      <a:endParaRPr lang="en-IN" sz="1100">
+                        <a:effectLst/>
+                        <a:latin typeface="Calibri" panose="020F0502020204030204" pitchFamily="34" charset="0"/>
+                        <a:ea typeface="Calibri" panose="020F0502020204030204" pitchFamily="34" charset="0"/>
+                        <a:cs typeface="Times New Roman" panose="02020603050405020304" pitchFamily="18" charset="0"/>
+                      </a:endParaRPr>
+                    </a:p>
+                  </a:txBody>
+                  <a:tcPr marL="9525" marR="9525" marT="9525" marB="9525" anchor="ctr"/>
+                </a:tc>
+                <a:extLst>
+                  <a:ext uri="{0D108BD9-81ED-4DB2-BD59-A6C34878D82A}">
+                    <a16:rowId xmlns:a16="http://schemas.microsoft.com/office/drawing/2014/main" val="4018530999"/>
+                  </a:ext>
+                </a:extLst>
+              </a:tr>
+              <a:tr h="705408">
+                <a:tc>
+                  <a:txBody>
+                    <a:bodyPr/>
+                    <a:lstStyle/>
+                    <a:p>
+                      <a:pPr>
+                        <a:lnSpc>
+                          <a:spcPct val="115000"/>
+                        </a:lnSpc>
+                        <a:spcAft>
+                          <a:spcPts val="1000"/>
+                        </a:spcAft>
+                        <a:buNone/>
+                      </a:pPr>
+                      <a:r>
+                        <a:rPr lang="en-IN" sz="1100">
+                          <a:effectLst/>
+                        </a:rPr>
+                        <a:t>Storage Impact</a:t>
+                      </a:r>
+                      <a:endParaRPr lang="en-IN" sz="1100">
+                        <a:effectLst/>
+                        <a:latin typeface="Calibri" panose="020F0502020204030204" pitchFamily="34" charset="0"/>
+                        <a:ea typeface="Calibri" panose="020F0502020204030204" pitchFamily="34" charset="0"/>
+                        <a:cs typeface="Times New Roman" panose="02020603050405020304" pitchFamily="18" charset="0"/>
+                      </a:endParaRPr>
+                    </a:p>
+                  </a:txBody>
+                  <a:tcPr marL="9525" marR="9525" marT="9525" marB="9525" anchor="ctr"/>
+                </a:tc>
+                <a:tc>
+                  <a:txBody>
+                    <a:bodyPr/>
+                    <a:lstStyle/>
+                    <a:p>
+                      <a:pPr>
+                        <a:lnSpc>
+                          <a:spcPct val="115000"/>
+                        </a:lnSpc>
+                        <a:spcAft>
+                          <a:spcPts val="1000"/>
+                        </a:spcAft>
+                        <a:buNone/>
+                      </a:pPr>
+                      <a:r>
+                        <a:rPr lang="en-IN" sz="1100">
+                          <a:effectLst/>
+                        </a:rPr>
+                        <a:t>Changes physical layout in storage (folders)</a:t>
+                      </a:r>
+                      <a:endParaRPr lang="en-IN" sz="1100">
+                        <a:effectLst/>
+                        <a:latin typeface="Calibri" panose="020F0502020204030204" pitchFamily="34" charset="0"/>
+                        <a:ea typeface="Calibri" panose="020F0502020204030204" pitchFamily="34" charset="0"/>
+                        <a:cs typeface="Times New Roman" panose="02020603050405020304" pitchFamily="18" charset="0"/>
+                      </a:endParaRPr>
+                    </a:p>
+                  </a:txBody>
+                  <a:tcPr marL="9525" marR="9525" marT="9525" marB="9525" anchor="ctr"/>
+                </a:tc>
+                <a:tc>
+                  <a:txBody>
+                    <a:bodyPr/>
+                    <a:lstStyle/>
+                    <a:p>
+                      <a:pPr>
+                        <a:lnSpc>
+                          <a:spcPct val="115000"/>
+                        </a:lnSpc>
+                        <a:spcAft>
+                          <a:spcPts val="1000"/>
+                        </a:spcAft>
+                        <a:buNone/>
+                      </a:pPr>
+                      <a:r>
+                        <a:rPr lang="en-IN" sz="1100">
+                          <a:effectLst/>
+                        </a:rPr>
+                        <a:t>Rewrites data files (OPTIMIZE)</a:t>
+                      </a:r>
+                      <a:endParaRPr lang="en-IN" sz="1100">
+                        <a:effectLst/>
+                        <a:latin typeface="Calibri" panose="020F0502020204030204" pitchFamily="34" charset="0"/>
+                        <a:ea typeface="Calibri" panose="020F0502020204030204" pitchFamily="34" charset="0"/>
+                        <a:cs typeface="Times New Roman" panose="02020603050405020304" pitchFamily="18" charset="0"/>
+                      </a:endParaRPr>
+                    </a:p>
+                  </a:txBody>
+                  <a:tcPr marL="9525" marR="9525" marT="9525" marB="9525" anchor="ctr"/>
+                </a:tc>
+                <a:tc>
+                  <a:txBody>
+                    <a:bodyPr/>
+                    <a:lstStyle/>
+                    <a:p>
+                      <a:pPr>
+                        <a:lnSpc>
+                          <a:spcPct val="115000"/>
+                        </a:lnSpc>
+                        <a:spcAft>
+                          <a:spcPts val="1000"/>
+                        </a:spcAft>
+                        <a:buNone/>
+                      </a:pPr>
+                      <a:r>
+                        <a:rPr lang="en-IN" sz="1100">
+                          <a:effectLst/>
+                        </a:rPr>
+                        <a:t>Uses cluster memory, not storage</a:t>
+                      </a:r>
+                      <a:endParaRPr lang="en-IN" sz="1100">
+                        <a:effectLst/>
+                        <a:latin typeface="Calibri" panose="020F0502020204030204" pitchFamily="34" charset="0"/>
+                        <a:ea typeface="Calibri" panose="020F0502020204030204" pitchFamily="34" charset="0"/>
+                        <a:cs typeface="Times New Roman" panose="02020603050405020304" pitchFamily="18" charset="0"/>
+                      </a:endParaRPr>
+                    </a:p>
+                  </a:txBody>
+                  <a:tcPr marL="9525" marR="9525" marT="9525" marB="9525" anchor="ctr"/>
+                </a:tc>
+                <a:extLst>
+                  <a:ext uri="{0D108BD9-81ED-4DB2-BD59-A6C34878D82A}">
+                    <a16:rowId xmlns:a16="http://schemas.microsoft.com/office/drawing/2014/main" val="3176024675"/>
+                  </a:ext>
+                </a:extLst>
+              </a:tr>
+              <a:tr h="705408">
+                <a:tc>
+                  <a:txBody>
+                    <a:bodyPr/>
+                    <a:lstStyle/>
+                    <a:p>
+                      <a:pPr>
+                        <a:lnSpc>
+                          <a:spcPct val="115000"/>
+                        </a:lnSpc>
+                        <a:spcAft>
+                          <a:spcPts val="1000"/>
+                        </a:spcAft>
+                        <a:buNone/>
+                      </a:pPr>
+                      <a:r>
+                        <a:rPr lang="en-IN" sz="1100">
+                          <a:effectLst/>
+                        </a:rPr>
+                        <a:t>When Applied</a:t>
+                      </a:r>
+                      <a:endParaRPr lang="en-IN" sz="1100">
+                        <a:effectLst/>
+                        <a:latin typeface="Calibri" panose="020F0502020204030204" pitchFamily="34" charset="0"/>
+                        <a:ea typeface="Calibri" panose="020F0502020204030204" pitchFamily="34" charset="0"/>
+                        <a:cs typeface="Times New Roman" panose="02020603050405020304" pitchFamily="18" charset="0"/>
+                      </a:endParaRPr>
+                    </a:p>
+                  </a:txBody>
+                  <a:tcPr marL="9525" marR="9525" marT="9525" marB="9525" anchor="ctr"/>
+                </a:tc>
+                <a:tc>
+                  <a:txBody>
+                    <a:bodyPr/>
+                    <a:lstStyle/>
+                    <a:p>
+                      <a:pPr>
+                        <a:lnSpc>
+                          <a:spcPct val="115000"/>
+                        </a:lnSpc>
+                        <a:spcAft>
+                          <a:spcPts val="1000"/>
+                        </a:spcAft>
+                        <a:buNone/>
+                      </a:pPr>
+                      <a:r>
+                        <a:rPr lang="en-IN" sz="1100">
+                          <a:effectLst/>
+                        </a:rPr>
+                        <a:t>At table creation or ingestion</a:t>
+                      </a:r>
+                      <a:endParaRPr lang="en-IN" sz="1100">
+                        <a:effectLst/>
+                        <a:latin typeface="Calibri" panose="020F0502020204030204" pitchFamily="34" charset="0"/>
+                        <a:ea typeface="Calibri" panose="020F0502020204030204" pitchFamily="34" charset="0"/>
+                        <a:cs typeface="Times New Roman" panose="02020603050405020304" pitchFamily="18" charset="0"/>
+                      </a:endParaRPr>
+                    </a:p>
+                  </a:txBody>
+                  <a:tcPr marL="9525" marR="9525" marT="9525" marB="9525" anchor="ctr"/>
+                </a:tc>
+                <a:tc>
+                  <a:txBody>
+                    <a:bodyPr/>
+                    <a:lstStyle/>
+                    <a:p>
+                      <a:pPr>
+                        <a:lnSpc>
+                          <a:spcPct val="115000"/>
+                        </a:lnSpc>
+                        <a:spcAft>
+                          <a:spcPts val="1000"/>
+                        </a:spcAft>
+                        <a:buNone/>
+                      </a:pPr>
+                      <a:r>
+                        <a:rPr lang="en-IN" sz="1100">
+                          <a:effectLst/>
+                        </a:rPr>
+                        <a:t>Anytime via OPTIMIZE ... ZORDER BY</a:t>
+                      </a:r>
+                      <a:endParaRPr lang="en-IN" sz="1100">
+                        <a:effectLst/>
+                        <a:latin typeface="Calibri" panose="020F0502020204030204" pitchFamily="34" charset="0"/>
+                        <a:ea typeface="Calibri" panose="020F0502020204030204" pitchFamily="34" charset="0"/>
+                        <a:cs typeface="Times New Roman" panose="02020603050405020304" pitchFamily="18" charset="0"/>
+                      </a:endParaRPr>
+                    </a:p>
+                  </a:txBody>
+                  <a:tcPr marL="9525" marR="9525" marT="9525" marB="9525" anchor="ctr"/>
+                </a:tc>
+                <a:tc>
+                  <a:txBody>
+                    <a:bodyPr/>
+                    <a:lstStyle/>
+                    <a:p>
+                      <a:pPr>
+                        <a:lnSpc>
+                          <a:spcPct val="115000"/>
+                        </a:lnSpc>
+                        <a:spcAft>
+                          <a:spcPts val="1000"/>
+                        </a:spcAft>
+                        <a:buNone/>
+                      </a:pPr>
+                      <a:r>
+                        <a:rPr lang="en-IN" sz="1100">
+                          <a:effectLst/>
+                        </a:rPr>
+                        <a:t>At query/runtime via CACHE</a:t>
+                      </a:r>
+                      <a:endParaRPr lang="en-IN" sz="1100">
+                        <a:effectLst/>
+                        <a:latin typeface="Calibri" panose="020F0502020204030204" pitchFamily="34" charset="0"/>
+                        <a:ea typeface="Calibri" panose="020F0502020204030204" pitchFamily="34" charset="0"/>
+                        <a:cs typeface="Times New Roman" panose="02020603050405020304" pitchFamily="18" charset="0"/>
+                      </a:endParaRPr>
+                    </a:p>
+                  </a:txBody>
+                  <a:tcPr marL="9525" marR="9525" marT="9525" marB="9525" anchor="ctr"/>
+                </a:tc>
+                <a:extLst>
+                  <a:ext uri="{0D108BD9-81ED-4DB2-BD59-A6C34878D82A}">
+                    <a16:rowId xmlns:a16="http://schemas.microsoft.com/office/drawing/2014/main" val="1201970391"/>
+                  </a:ext>
+                </a:extLst>
+              </a:tr>
+              <a:tr h="705408">
+                <a:tc>
+                  <a:txBody>
+                    <a:bodyPr/>
+                    <a:lstStyle/>
+                    <a:p>
+                      <a:pPr>
+                        <a:lnSpc>
+                          <a:spcPct val="115000"/>
+                        </a:lnSpc>
+                        <a:spcAft>
+                          <a:spcPts val="1000"/>
+                        </a:spcAft>
+                        <a:buNone/>
+                      </a:pPr>
+                      <a:r>
+                        <a:rPr lang="en-IN" sz="1100">
+                          <a:effectLst/>
+                        </a:rPr>
+                        <a:t>Example Query</a:t>
+                      </a:r>
+                      <a:endParaRPr lang="en-IN" sz="1100">
+                        <a:effectLst/>
+                        <a:latin typeface="Calibri" panose="020F0502020204030204" pitchFamily="34" charset="0"/>
+                        <a:ea typeface="Calibri" panose="020F0502020204030204" pitchFamily="34" charset="0"/>
+                        <a:cs typeface="Times New Roman" panose="02020603050405020304" pitchFamily="18" charset="0"/>
+                      </a:endParaRPr>
+                    </a:p>
+                  </a:txBody>
+                  <a:tcPr marL="9525" marR="9525" marT="9525" marB="9525" anchor="ctr"/>
+                </a:tc>
+                <a:tc>
+                  <a:txBody>
+                    <a:bodyPr/>
+                    <a:lstStyle/>
+                    <a:p>
+                      <a:pPr>
+                        <a:lnSpc>
+                          <a:spcPct val="115000"/>
+                        </a:lnSpc>
+                        <a:spcAft>
+                          <a:spcPts val="1000"/>
+                        </a:spcAft>
+                        <a:buNone/>
+                      </a:pPr>
+                      <a:r>
+                        <a:rPr lang="en-IN" sz="1100">
+                          <a:effectLst/>
+                        </a:rPr>
+                        <a:t>WHERE year=2025 → scans only year=2025/ folder</a:t>
+                      </a:r>
+                      <a:endParaRPr lang="en-IN" sz="1100">
+                        <a:effectLst/>
+                        <a:latin typeface="Calibri" panose="020F0502020204030204" pitchFamily="34" charset="0"/>
+                        <a:ea typeface="Calibri" panose="020F0502020204030204" pitchFamily="34" charset="0"/>
+                        <a:cs typeface="Times New Roman" panose="02020603050405020304" pitchFamily="18" charset="0"/>
+                      </a:endParaRPr>
+                    </a:p>
+                  </a:txBody>
+                  <a:tcPr marL="9525" marR="9525" marT="9525" marB="9525" anchor="ctr"/>
+                </a:tc>
+                <a:tc>
+                  <a:txBody>
+                    <a:bodyPr/>
+                    <a:lstStyle/>
+                    <a:p>
+                      <a:pPr>
+                        <a:lnSpc>
+                          <a:spcPct val="115000"/>
+                        </a:lnSpc>
+                        <a:spcAft>
+                          <a:spcPts val="1000"/>
+                        </a:spcAft>
+                        <a:buNone/>
+                      </a:pPr>
+                      <a:r>
+                        <a:rPr lang="en-IN" sz="1100">
+                          <a:effectLst/>
+                        </a:rPr>
+                        <a:t>WHERE customer_id=12345 → scans only relevant files in 2025</a:t>
+                      </a:r>
+                      <a:endParaRPr lang="en-IN" sz="1100">
+                        <a:effectLst/>
+                        <a:latin typeface="Calibri" panose="020F0502020204030204" pitchFamily="34" charset="0"/>
+                        <a:ea typeface="Calibri" panose="020F0502020204030204" pitchFamily="34" charset="0"/>
+                        <a:cs typeface="Times New Roman" panose="02020603050405020304" pitchFamily="18" charset="0"/>
+                      </a:endParaRPr>
+                    </a:p>
+                  </a:txBody>
+                  <a:tcPr marL="9525" marR="9525" marT="9525" marB="9525" anchor="ctr"/>
+                </a:tc>
+                <a:tc>
+                  <a:txBody>
+                    <a:bodyPr/>
+                    <a:lstStyle/>
+                    <a:p>
+                      <a:pPr>
+                        <a:lnSpc>
+                          <a:spcPct val="115000"/>
+                        </a:lnSpc>
+                        <a:spcAft>
+                          <a:spcPts val="1000"/>
+                        </a:spcAft>
+                        <a:buNone/>
+                      </a:pPr>
+                      <a:r>
+                        <a:rPr lang="en-IN" sz="1100" dirty="0">
+                          <a:effectLst/>
+                        </a:rPr>
+                        <a:t>SELECT * multiple times → second run much faster</a:t>
+                      </a:r>
+                      <a:endParaRPr lang="en-IN" sz="1100" dirty="0">
+                        <a:effectLst/>
+                        <a:latin typeface="Calibri" panose="020F0502020204030204" pitchFamily="34" charset="0"/>
+                        <a:ea typeface="Calibri" panose="020F0502020204030204" pitchFamily="34" charset="0"/>
+                        <a:cs typeface="Times New Roman" panose="02020603050405020304" pitchFamily="18" charset="0"/>
+                      </a:endParaRPr>
+                    </a:p>
+                  </a:txBody>
+                  <a:tcPr marL="9525" marR="9525" marT="9525" marB="9525" anchor="ctr"/>
+                </a:tc>
+                <a:extLst>
+                  <a:ext uri="{0D108BD9-81ED-4DB2-BD59-A6C34878D82A}">
+                    <a16:rowId xmlns:a16="http://schemas.microsoft.com/office/drawing/2014/main" val="1707077098"/>
+                  </a:ext>
+                </a:extLst>
+              </a:tr>
+            </a:tbl>
+          </a:graphicData>
+        </a:graphic>
+      </p:graphicFrame>
+    </p:spTree>
+    <p:extLst>
+      <p:ext uri="{BB962C8B-B14F-4D97-AF65-F5344CB8AC3E}">
+        <p14:creationId xmlns:p14="http://schemas.microsoft.com/office/powerpoint/2010/main" val="2730903542"/>
+      </p:ext>
+    </p:extLst>
+  </p:cSld>
+  <p:clrMapOvr>
+    <a:masterClrMapping/>
+  </p:clrMapOvr>
+</p:sld>
+</file>
+
+<file path=ppt/slides/slide11.xml><?xml version="1.0" encoding="utf-8"?>
+<p:sld xmlns:a="http://schemas.openxmlformats.org/drawingml/2006/main" xmlns:r="http://schemas.openxmlformats.org/officeDocument/2006/relationships" xmlns:p="http://schemas.openxmlformats.org/presentationml/2006/main">
+  <p:cSld>
+    <p:spTree>
+      <p:nvGrpSpPr>
+        <p:cNvPr id="1" name=""/>
+        <p:cNvGrpSpPr/>
+        <p:nvPr/>
+      </p:nvGrpSpPr>
+      <p:grpSpPr>
+        <a:xfrm>
+          <a:off x="0" y="0"/>
+          <a:ext cx="0" cy="0"/>
+          <a:chOff x="0" y="0"/>
+          <a:chExt cx="0" cy="0"/>
+        </a:xfrm>
+      </p:grpSpPr>
+      <p:sp>
+        <p:nvSpPr>
+          <p:cNvPr id="2" name="Title 1"/>
+          <p:cNvSpPr>
+            <a:spLocks noGrp="1"/>
+          </p:cNvSpPr>
+          <p:nvPr>
+            <p:ph type="title"/>
+          </p:nvPr>
+        </p:nvSpPr>
+        <p:spPr/>
+        <p:txBody>
+          <a:bodyPr/>
+          <a:lstStyle/>
+          <a:p>
+            <a:r>
+              <a:t>Streaming with Delta tables</a:t>
+            </a:r>
+          </a:p>
+        </p:txBody>
+      </p:sp>
+      <p:sp>
+        <p:nvSpPr>
+          <p:cNvPr id="3" name="Content Placeholder 2"/>
+          <p:cNvSpPr>
+            <a:spLocks noGrp="1"/>
+          </p:cNvSpPr>
+          <p:nvPr>
+            <p:ph idx="1"/>
+          </p:nvPr>
+        </p:nvSpPr>
+        <p:spPr>
+          <a:xfrm>
+            <a:off x="768096" y="2285999"/>
+            <a:ext cx="7290055" cy="4263887"/>
+          </a:xfrm>
+        </p:spPr>
+        <p:txBody>
+          <a:bodyPr>
+            <a:normAutofit/>
+          </a:bodyPr>
+          <a:lstStyle/>
+          <a:p>
+            <a:endParaRPr dirty="0"/>
+          </a:p>
+          <a:p>
+            <a:r>
+              <a:rPr dirty="0"/>
+              <a:t>Delta integrates with Structured Streaming</a:t>
+            </a:r>
+          </a:p>
+          <a:p>
+            <a:r>
+              <a:rPr dirty="0"/>
+              <a:t>Supports real-time reads and writes</a:t>
+            </a:r>
+          </a:p>
+          <a:p>
+            <a:r>
+              <a:rPr dirty="0"/>
+              <a:t>Exactly-once processing guarantees</a:t>
+            </a:r>
+            <a:endParaRPr lang="en-US" dirty="0"/>
+          </a:p>
+          <a:p>
+            <a:pPr marL="0" indent="0">
+              <a:buNone/>
+            </a:pPr>
+            <a:endParaRPr lang="en-IN" dirty="0"/>
+          </a:p>
+          <a:p>
+            <a:pPr marL="0" indent="0">
+              <a:buNone/>
+            </a:pPr>
+            <a:r>
+              <a:rPr lang="en-IN" dirty="0"/>
+              <a:t> NOTE:</a:t>
+            </a:r>
+          </a:p>
+          <a:p>
+            <a:r>
+              <a:rPr lang="en-IN" dirty="0"/>
+              <a:t>Traditional streaming sinks (like Parquet/CSV) can only guarantee at-least-once (duplicates possible).</a:t>
+            </a:r>
+          </a:p>
+          <a:p>
+            <a:r>
+              <a:rPr lang="en-IN" dirty="0"/>
+              <a:t>Delta Lake enables exactly-once semantics, making it reliable for real-time analytics, fraud detection, IoT ingestion, etc.</a:t>
+            </a:r>
+            <a:endParaRPr dirty="0"/>
+          </a:p>
+        </p:txBody>
+      </p:sp>
+    </p:spTree>
+  </p:cSld>
+  <p:clrMapOvr>
+    <a:masterClrMapping/>
+  </p:clrMapOvr>
+</p:sld>
+</file>
+
+<file path=ppt/slides/slide12.xml><?xml version="1.0" encoding="utf-8"?>
+<p:sld xmlns:a="http://schemas.openxmlformats.org/drawingml/2006/main" xmlns:r="http://schemas.openxmlformats.org/officeDocument/2006/relationships" xmlns:p="http://schemas.openxmlformats.org/presentationml/2006/main">
+  <p:cSld>
+    <p:spTree>
+      <p:nvGrpSpPr>
+        <p:cNvPr id="1" name=""/>
+        <p:cNvGrpSpPr/>
+        <p:nvPr/>
+      </p:nvGrpSpPr>
+      <p:grpSpPr>
+        <a:xfrm>
+          <a:off x="0" y="0"/>
+          <a:ext cx="0" cy="0"/>
+          <a:chOff x="0" y="0"/>
+          <a:chExt cx="0" cy="0"/>
+        </a:xfrm>
+      </p:grpSpPr>
+      <p:sp>
+        <p:nvSpPr>
           <p:cNvPr id="2" name="Title 1"/>
           <p:cNvSpPr>
             <a:spLocks noGrp="1"/>
@@ -16412,26 +17549,2698 @@
           <a:bodyPr/>
           <a:lstStyle/>
           <a:p>
-            <a:endParaRPr/>
+            <a:endParaRPr dirty="0"/>
           </a:p>
           <a:p>
             <a:r>
+              <a:rPr dirty="0"/>
               <a:t>Delta logs store metadata for versioning</a:t>
             </a:r>
+            <a:endParaRPr lang="en-US" dirty="0"/>
+          </a:p>
+          <a:p>
+            <a:pPr lvl="1"/>
+            <a:r>
+              <a:rPr lang="en-IN" dirty="0"/>
+              <a:t>version history &amp; metadata</a:t>
+            </a:r>
+            <a:endParaRPr dirty="0"/>
           </a:p>
           <a:p>
             <a:r>
+              <a:rPr dirty="0"/>
               <a:t>VACUUM removes old data files</a:t>
             </a:r>
+            <a:endParaRPr lang="en-US" dirty="0"/>
+          </a:p>
+          <a:p>
+            <a:pPr lvl="1"/>
+            <a:r>
+              <a:rPr lang="en-US" dirty="0"/>
+              <a:t>garbage collection of old Parquet files</a:t>
+            </a:r>
+            <a:endParaRPr dirty="0"/>
           </a:p>
           <a:p>
             <a:r>
+              <a:rPr dirty="0"/>
               <a:t>Retention policies for data cleanup</a:t>
             </a:r>
+            <a:endParaRPr lang="en-US" dirty="0"/>
+          </a:p>
+          <a:p>
+            <a:pPr lvl="1"/>
+            <a:r>
+              <a:rPr lang="en-US" dirty="0"/>
+              <a:t>safety net for time travel &amp; concurrent reads</a:t>
+            </a:r>
+            <a:endParaRPr dirty="0"/>
           </a:p>
         </p:txBody>
       </p:sp>
     </p:spTree>
+  </p:cSld>
+  <p:clrMapOvr>
+    <a:masterClrMapping/>
+  </p:clrMapOvr>
+</p:sld>
+</file>
+
+<file path=ppt/slides/slide13.xml><?xml version="1.0" encoding="utf-8"?>
+<p:sld xmlns:a="http://schemas.openxmlformats.org/drawingml/2006/main" xmlns:r="http://schemas.openxmlformats.org/officeDocument/2006/relationships" xmlns:p="http://schemas.openxmlformats.org/presentationml/2006/main">
+  <p:cSld>
+    <p:spTree>
+      <p:nvGrpSpPr>
+        <p:cNvPr id="1" name=""/>
+        <p:cNvGrpSpPr/>
+        <p:nvPr/>
+      </p:nvGrpSpPr>
+      <p:grpSpPr>
+        <a:xfrm>
+          <a:off x="0" y="0"/>
+          <a:ext cx="0" cy="0"/>
+          <a:chOff x="0" y="0"/>
+          <a:chExt cx="0" cy="0"/>
+        </a:xfrm>
+      </p:grpSpPr>
+      <p:sp>
+        <p:nvSpPr>
+          <p:cNvPr id="2" name="Title 1">
+            <a:extLst>
+              <a:ext uri="{FF2B5EF4-FFF2-40B4-BE49-F238E27FC236}">
+                <a16:creationId xmlns:a16="http://schemas.microsoft.com/office/drawing/2014/main" id="{6DD20E04-E3BF-8FDB-B078-762EE4BAF7BF}"/>
+              </a:ext>
+            </a:extLst>
+          </p:cNvPr>
+          <p:cNvSpPr>
+            <a:spLocks noGrp="1"/>
+          </p:cNvSpPr>
+          <p:nvPr>
+            <p:ph type="title"/>
+          </p:nvPr>
+        </p:nvSpPr>
+        <p:spPr/>
+        <p:txBody>
+          <a:bodyPr/>
+          <a:lstStyle/>
+          <a:p>
+            <a:r>
+              <a:rPr lang="en-US" dirty="0"/>
+              <a:t>Delta Lake Vs SQL</a:t>
+            </a:r>
+            <a:endParaRPr lang="en-IN" dirty="0"/>
+          </a:p>
+        </p:txBody>
+      </p:sp>
+      <p:graphicFrame>
+        <p:nvGraphicFramePr>
+          <p:cNvPr id="4" name="Content Placeholder 3">
+            <a:extLst>
+              <a:ext uri="{FF2B5EF4-FFF2-40B4-BE49-F238E27FC236}">
+                <a16:creationId xmlns:a16="http://schemas.microsoft.com/office/drawing/2014/main" id="{288A6ABF-361D-CB4A-E1F6-607201716F44}"/>
+              </a:ext>
+            </a:extLst>
+          </p:cNvPr>
+          <p:cNvGraphicFramePr>
+            <a:graphicFrameLocks noGrp="1"/>
+          </p:cNvGraphicFramePr>
+          <p:nvPr>
+            <p:ph idx="1"/>
+            <p:extLst>
+              <p:ext uri="{D42A27DB-BD31-4B8C-83A1-F6EECF244321}">
+                <p14:modId xmlns:p14="http://schemas.microsoft.com/office/powerpoint/2010/main" val="1322994509"/>
+              </p:ext>
+            </p:extLst>
+          </p:nvPr>
+        </p:nvGraphicFramePr>
+        <p:xfrm>
+          <a:off x="768350" y="2435087"/>
+          <a:ext cx="7289799" cy="4084985"/>
+        </p:xfrm>
+        <a:graphic>
+          <a:graphicData uri="http://schemas.openxmlformats.org/drawingml/2006/table">
+            <a:tbl>
+              <a:tblPr firstRow="1" firstCol="1" bandRow="1">
+                <a:tableStyleId>{5C22544A-7EE6-4342-B048-85BDC9FD1C3A}</a:tableStyleId>
+              </a:tblPr>
+              <a:tblGrid>
+                <a:gridCol w="2429933">
+                  <a:extLst>
+                    <a:ext uri="{9D8B030D-6E8A-4147-A177-3AD203B41FA5}">
+                      <a16:colId xmlns:a16="http://schemas.microsoft.com/office/drawing/2014/main" val="1961617047"/>
+                    </a:ext>
+                  </a:extLst>
+                </a:gridCol>
+                <a:gridCol w="2429933">
+                  <a:extLst>
+                    <a:ext uri="{9D8B030D-6E8A-4147-A177-3AD203B41FA5}">
+                      <a16:colId xmlns:a16="http://schemas.microsoft.com/office/drawing/2014/main" val="2120206236"/>
+                    </a:ext>
+                  </a:extLst>
+                </a:gridCol>
+                <a:gridCol w="2429933">
+                  <a:extLst>
+                    <a:ext uri="{9D8B030D-6E8A-4147-A177-3AD203B41FA5}">
+                      <a16:colId xmlns:a16="http://schemas.microsoft.com/office/drawing/2014/main" val="1231813991"/>
+                    </a:ext>
+                  </a:extLst>
+                </a:gridCol>
+              </a:tblGrid>
+              <a:tr h="275771">
+                <a:tc>
+                  <a:txBody>
+                    <a:bodyPr/>
+                    <a:lstStyle/>
+                    <a:p>
+                      <a:pPr>
+                        <a:lnSpc>
+                          <a:spcPct val="115000"/>
+                        </a:lnSpc>
+                        <a:spcAft>
+                          <a:spcPts val="1000"/>
+                        </a:spcAft>
+                        <a:buNone/>
+                      </a:pPr>
+                      <a:r>
+                        <a:rPr lang="en-IN" sz="1100">
+                          <a:effectLst/>
+                        </a:rPr>
+                        <a:t>Feature</a:t>
+                      </a:r>
+                      <a:endParaRPr lang="en-IN" sz="1100">
+                        <a:effectLst/>
+                        <a:latin typeface="Calibri" panose="020F0502020204030204" pitchFamily="34" charset="0"/>
+                        <a:ea typeface="Calibri" panose="020F0502020204030204" pitchFamily="34" charset="0"/>
+                        <a:cs typeface="Times New Roman" panose="02020603050405020304" pitchFamily="18" charset="0"/>
+                      </a:endParaRPr>
+                    </a:p>
+                  </a:txBody>
+                  <a:tcPr marL="9525" marR="9525" marT="9525" marB="9525" anchor="ctr"/>
+                </a:tc>
+                <a:tc>
+                  <a:txBody>
+                    <a:bodyPr/>
+                    <a:lstStyle/>
+                    <a:p>
+                      <a:pPr>
+                        <a:lnSpc>
+                          <a:spcPct val="115000"/>
+                        </a:lnSpc>
+                        <a:spcAft>
+                          <a:spcPts val="1000"/>
+                        </a:spcAft>
+                        <a:buNone/>
+                      </a:pPr>
+                      <a:r>
+                        <a:rPr lang="en-IN" sz="1100">
+                          <a:effectLst/>
+                        </a:rPr>
+                        <a:t>Delta Lake</a:t>
+                      </a:r>
+                      <a:endParaRPr lang="en-IN" sz="1100">
+                        <a:effectLst/>
+                        <a:latin typeface="Calibri" panose="020F0502020204030204" pitchFamily="34" charset="0"/>
+                        <a:ea typeface="Calibri" panose="020F0502020204030204" pitchFamily="34" charset="0"/>
+                        <a:cs typeface="Times New Roman" panose="02020603050405020304" pitchFamily="18" charset="0"/>
+                      </a:endParaRPr>
+                    </a:p>
+                  </a:txBody>
+                  <a:tcPr marL="9525" marR="9525" marT="9525" marB="9525" anchor="ctr"/>
+                </a:tc>
+                <a:tc>
+                  <a:txBody>
+                    <a:bodyPr/>
+                    <a:lstStyle/>
+                    <a:p>
+                      <a:pPr>
+                        <a:lnSpc>
+                          <a:spcPct val="115000"/>
+                        </a:lnSpc>
+                        <a:spcAft>
+                          <a:spcPts val="1000"/>
+                        </a:spcAft>
+                        <a:buNone/>
+                      </a:pPr>
+                      <a:r>
+                        <a:rPr lang="en-IN" sz="1100">
+                          <a:effectLst/>
+                        </a:rPr>
+                        <a:t>SQL Databases (RDBMS)</a:t>
+                      </a:r>
+                      <a:endParaRPr lang="en-IN" sz="1100">
+                        <a:effectLst/>
+                        <a:latin typeface="Calibri" panose="020F0502020204030204" pitchFamily="34" charset="0"/>
+                        <a:ea typeface="Calibri" panose="020F0502020204030204" pitchFamily="34" charset="0"/>
+                        <a:cs typeface="Times New Roman" panose="02020603050405020304" pitchFamily="18" charset="0"/>
+                      </a:endParaRPr>
+                    </a:p>
+                  </a:txBody>
+                  <a:tcPr marL="9525" marR="9525" marT="9525" marB="9525" anchor="ctr"/>
+                </a:tc>
+                <a:extLst>
+                  <a:ext uri="{0D108BD9-81ED-4DB2-BD59-A6C34878D82A}">
+                    <a16:rowId xmlns:a16="http://schemas.microsoft.com/office/drawing/2014/main" val="2358397579"/>
+                  </a:ext>
+                </a:extLst>
+              </a:tr>
+              <a:tr h="275771">
+                <a:tc>
+                  <a:txBody>
+                    <a:bodyPr/>
+                    <a:lstStyle/>
+                    <a:p>
+                      <a:pPr>
+                        <a:lnSpc>
+                          <a:spcPct val="115000"/>
+                        </a:lnSpc>
+                        <a:spcAft>
+                          <a:spcPts val="1000"/>
+                        </a:spcAft>
+                        <a:buNone/>
+                      </a:pPr>
+                      <a:r>
+                        <a:rPr lang="en-IN" sz="1100">
+                          <a:effectLst/>
+                        </a:rPr>
+                        <a:t>Type</a:t>
+                      </a:r>
+                      <a:endParaRPr lang="en-IN" sz="1100">
+                        <a:effectLst/>
+                        <a:latin typeface="Calibri" panose="020F0502020204030204" pitchFamily="34" charset="0"/>
+                        <a:ea typeface="Calibri" panose="020F0502020204030204" pitchFamily="34" charset="0"/>
+                        <a:cs typeface="Times New Roman" panose="02020603050405020304" pitchFamily="18" charset="0"/>
+                      </a:endParaRPr>
+                    </a:p>
+                  </a:txBody>
+                  <a:tcPr marL="9525" marR="9525" marT="9525" marB="9525" anchor="ctr"/>
+                </a:tc>
+                <a:tc>
+                  <a:txBody>
+                    <a:bodyPr/>
+                    <a:lstStyle/>
+                    <a:p>
+                      <a:pPr>
+                        <a:lnSpc>
+                          <a:spcPct val="115000"/>
+                        </a:lnSpc>
+                        <a:spcAft>
+                          <a:spcPts val="1000"/>
+                        </a:spcAft>
+                        <a:buNone/>
+                      </a:pPr>
+                      <a:r>
+                        <a:rPr lang="en-IN" sz="1100">
+                          <a:effectLst/>
+                        </a:rPr>
+                        <a:t>Data Lake + Storage Layer</a:t>
+                      </a:r>
+                      <a:endParaRPr lang="en-IN" sz="1100">
+                        <a:effectLst/>
+                        <a:latin typeface="Calibri" panose="020F0502020204030204" pitchFamily="34" charset="0"/>
+                        <a:ea typeface="Calibri" panose="020F0502020204030204" pitchFamily="34" charset="0"/>
+                        <a:cs typeface="Times New Roman" panose="02020603050405020304" pitchFamily="18" charset="0"/>
+                      </a:endParaRPr>
+                    </a:p>
+                  </a:txBody>
+                  <a:tcPr marL="9525" marR="9525" marT="9525" marB="9525" anchor="ctr"/>
+                </a:tc>
+                <a:tc>
+                  <a:txBody>
+                    <a:bodyPr/>
+                    <a:lstStyle/>
+                    <a:p>
+                      <a:pPr>
+                        <a:lnSpc>
+                          <a:spcPct val="115000"/>
+                        </a:lnSpc>
+                        <a:spcAft>
+                          <a:spcPts val="1000"/>
+                        </a:spcAft>
+                        <a:buNone/>
+                      </a:pPr>
+                      <a:r>
+                        <a:rPr lang="en-IN" sz="1100">
+                          <a:effectLst/>
+                        </a:rPr>
+                        <a:t>Database + Query Language</a:t>
+                      </a:r>
+                      <a:endParaRPr lang="en-IN" sz="1100">
+                        <a:effectLst/>
+                        <a:latin typeface="Calibri" panose="020F0502020204030204" pitchFamily="34" charset="0"/>
+                        <a:ea typeface="Calibri" panose="020F0502020204030204" pitchFamily="34" charset="0"/>
+                        <a:cs typeface="Times New Roman" panose="02020603050405020304" pitchFamily="18" charset="0"/>
+                      </a:endParaRPr>
+                    </a:p>
+                  </a:txBody>
+                  <a:tcPr marL="9525" marR="9525" marT="9525" marB="9525" anchor="ctr"/>
+                </a:tc>
+                <a:extLst>
+                  <a:ext uri="{0D108BD9-81ED-4DB2-BD59-A6C34878D82A}">
+                    <a16:rowId xmlns:a16="http://schemas.microsoft.com/office/drawing/2014/main" val="1886681051"/>
+                  </a:ext>
+                </a:extLst>
+              </a:tr>
+              <a:tr h="541226">
+                <a:tc>
+                  <a:txBody>
+                    <a:bodyPr/>
+                    <a:lstStyle/>
+                    <a:p>
+                      <a:pPr>
+                        <a:lnSpc>
+                          <a:spcPct val="115000"/>
+                        </a:lnSpc>
+                        <a:spcAft>
+                          <a:spcPts val="1000"/>
+                        </a:spcAft>
+                        <a:buNone/>
+                      </a:pPr>
+                      <a:r>
+                        <a:rPr lang="en-IN" sz="1100">
+                          <a:effectLst/>
+                        </a:rPr>
+                        <a:t>Underlying Storage</a:t>
+                      </a:r>
+                      <a:endParaRPr lang="en-IN" sz="1100">
+                        <a:effectLst/>
+                        <a:latin typeface="Calibri" panose="020F0502020204030204" pitchFamily="34" charset="0"/>
+                        <a:ea typeface="Calibri" panose="020F0502020204030204" pitchFamily="34" charset="0"/>
+                        <a:cs typeface="Times New Roman" panose="02020603050405020304" pitchFamily="18" charset="0"/>
+                      </a:endParaRPr>
+                    </a:p>
+                  </a:txBody>
+                  <a:tcPr marL="9525" marR="9525" marT="9525" marB="9525" anchor="ctr"/>
+                </a:tc>
+                <a:tc>
+                  <a:txBody>
+                    <a:bodyPr/>
+                    <a:lstStyle/>
+                    <a:p>
+                      <a:pPr>
+                        <a:lnSpc>
+                          <a:spcPct val="115000"/>
+                        </a:lnSpc>
+                        <a:spcAft>
+                          <a:spcPts val="1000"/>
+                        </a:spcAft>
+                        <a:buNone/>
+                      </a:pPr>
+                      <a:r>
+                        <a:rPr lang="en-IN" sz="1100">
+                          <a:effectLst/>
+                        </a:rPr>
+                        <a:t>Parquet files in object storage (S3, ADLS, GCS)</a:t>
+                      </a:r>
+                      <a:endParaRPr lang="en-IN" sz="1100">
+                        <a:effectLst/>
+                        <a:latin typeface="Calibri" panose="020F0502020204030204" pitchFamily="34" charset="0"/>
+                        <a:ea typeface="Calibri" panose="020F0502020204030204" pitchFamily="34" charset="0"/>
+                        <a:cs typeface="Times New Roman" panose="02020603050405020304" pitchFamily="18" charset="0"/>
+                      </a:endParaRPr>
+                    </a:p>
+                  </a:txBody>
+                  <a:tcPr marL="9525" marR="9525" marT="9525" marB="9525" anchor="ctr"/>
+                </a:tc>
+                <a:tc>
+                  <a:txBody>
+                    <a:bodyPr/>
+                    <a:lstStyle/>
+                    <a:p>
+                      <a:pPr>
+                        <a:lnSpc>
+                          <a:spcPct val="115000"/>
+                        </a:lnSpc>
+                        <a:spcAft>
+                          <a:spcPts val="1000"/>
+                        </a:spcAft>
+                        <a:buNone/>
+                      </a:pPr>
+                      <a:r>
+                        <a:rPr lang="en-IN" sz="1100">
+                          <a:effectLst/>
+                        </a:rPr>
+                        <a:t>Database engine with storage + indexes</a:t>
+                      </a:r>
+                      <a:endParaRPr lang="en-IN" sz="1100">
+                        <a:effectLst/>
+                        <a:latin typeface="Calibri" panose="020F0502020204030204" pitchFamily="34" charset="0"/>
+                        <a:ea typeface="Calibri" panose="020F0502020204030204" pitchFamily="34" charset="0"/>
+                        <a:cs typeface="Times New Roman" panose="02020603050405020304" pitchFamily="18" charset="0"/>
+                      </a:endParaRPr>
+                    </a:p>
+                  </a:txBody>
+                  <a:tcPr marL="9525" marR="9525" marT="9525" marB="9525" anchor="ctr"/>
+                </a:tc>
+                <a:extLst>
+                  <a:ext uri="{0D108BD9-81ED-4DB2-BD59-A6C34878D82A}">
+                    <a16:rowId xmlns:a16="http://schemas.microsoft.com/office/drawing/2014/main" val="4054558076"/>
+                  </a:ext>
+                </a:extLst>
+              </a:tr>
+              <a:tr h="275771">
+                <a:tc>
+                  <a:txBody>
+                    <a:bodyPr/>
+                    <a:lstStyle/>
+                    <a:p>
+                      <a:pPr>
+                        <a:lnSpc>
+                          <a:spcPct val="115000"/>
+                        </a:lnSpc>
+                        <a:spcAft>
+                          <a:spcPts val="1000"/>
+                        </a:spcAft>
+                        <a:buNone/>
+                      </a:pPr>
+                      <a:r>
+                        <a:rPr lang="en-IN" sz="1100">
+                          <a:effectLst/>
+                        </a:rPr>
+                        <a:t>Transactions</a:t>
+                      </a:r>
+                      <a:endParaRPr lang="en-IN" sz="1100">
+                        <a:effectLst/>
+                        <a:latin typeface="Calibri" panose="020F0502020204030204" pitchFamily="34" charset="0"/>
+                        <a:ea typeface="Calibri" panose="020F0502020204030204" pitchFamily="34" charset="0"/>
+                        <a:cs typeface="Times New Roman" panose="02020603050405020304" pitchFamily="18" charset="0"/>
+                      </a:endParaRPr>
+                    </a:p>
+                  </a:txBody>
+                  <a:tcPr marL="9525" marR="9525" marT="9525" marB="9525" anchor="ctr"/>
+                </a:tc>
+                <a:tc>
+                  <a:txBody>
+                    <a:bodyPr/>
+                    <a:lstStyle/>
+                    <a:p>
+                      <a:pPr>
+                        <a:lnSpc>
+                          <a:spcPct val="115000"/>
+                        </a:lnSpc>
+                        <a:spcAft>
+                          <a:spcPts val="1000"/>
+                        </a:spcAft>
+                        <a:buNone/>
+                      </a:pPr>
+                      <a:r>
+                        <a:rPr lang="en-IN" sz="1100">
+                          <a:effectLst/>
+                        </a:rPr>
+                        <a:t>ACID via Delta Log</a:t>
+                      </a:r>
+                      <a:endParaRPr lang="en-IN" sz="1100">
+                        <a:effectLst/>
+                        <a:latin typeface="Calibri" panose="020F0502020204030204" pitchFamily="34" charset="0"/>
+                        <a:ea typeface="Calibri" panose="020F0502020204030204" pitchFamily="34" charset="0"/>
+                        <a:cs typeface="Times New Roman" panose="02020603050405020304" pitchFamily="18" charset="0"/>
+                      </a:endParaRPr>
+                    </a:p>
+                  </a:txBody>
+                  <a:tcPr marL="9525" marR="9525" marT="9525" marB="9525" anchor="ctr"/>
+                </a:tc>
+                <a:tc>
+                  <a:txBody>
+                    <a:bodyPr/>
+                    <a:lstStyle/>
+                    <a:p>
+                      <a:pPr>
+                        <a:lnSpc>
+                          <a:spcPct val="115000"/>
+                        </a:lnSpc>
+                        <a:spcAft>
+                          <a:spcPts val="1000"/>
+                        </a:spcAft>
+                        <a:buNone/>
+                      </a:pPr>
+                      <a:r>
+                        <a:rPr lang="en-IN" sz="1100">
+                          <a:effectLst/>
+                        </a:rPr>
+                        <a:t>ACID built into DB engine</a:t>
+                      </a:r>
+                      <a:endParaRPr lang="en-IN" sz="1100">
+                        <a:effectLst/>
+                        <a:latin typeface="Calibri" panose="020F0502020204030204" pitchFamily="34" charset="0"/>
+                        <a:ea typeface="Calibri" panose="020F0502020204030204" pitchFamily="34" charset="0"/>
+                        <a:cs typeface="Times New Roman" panose="02020603050405020304" pitchFamily="18" charset="0"/>
+                      </a:endParaRPr>
+                    </a:p>
+                  </a:txBody>
+                  <a:tcPr marL="9525" marR="9525" marT="9525" marB="9525" anchor="ctr"/>
+                </a:tc>
+                <a:extLst>
+                  <a:ext uri="{0D108BD9-81ED-4DB2-BD59-A6C34878D82A}">
+                    <a16:rowId xmlns:a16="http://schemas.microsoft.com/office/drawing/2014/main" val="266003414"/>
+                  </a:ext>
+                </a:extLst>
+              </a:tr>
+              <a:tr h="275771">
+                <a:tc>
+                  <a:txBody>
+                    <a:bodyPr/>
+                    <a:lstStyle/>
+                    <a:p>
+                      <a:pPr>
+                        <a:lnSpc>
+                          <a:spcPct val="115000"/>
+                        </a:lnSpc>
+                        <a:spcAft>
+                          <a:spcPts val="1000"/>
+                        </a:spcAft>
+                        <a:buNone/>
+                      </a:pPr>
+                      <a:r>
+                        <a:rPr lang="en-IN" sz="1100">
+                          <a:effectLst/>
+                        </a:rPr>
+                        <a:t>Schema Handling</a:t>
+                      </a:r>
+                      <a:endParaRPr lang="en-IN" sz="1100">
+                        <a:effectLst/>
+                        <a:latin typeface="Calibri" panose="020F0502020204030204" pitchFamily="34" charset="0"/>
+                        <a:ea typeface="Calibri" panose="020F0502020204030204" pitchFamily="34" charset="0"/>
+                        <a:cs typeface="Times New Roman" panose="02020603050405020304" pitchFamily="18" charset="0"/>
+                      </a:endParaRPr>
+                    </a:p>
+                  </a:txBody>
+                  <a:tcPr marL="9525" marR="9525" marT="9525" marB="9525" anchor="ctr"/>
+                </a:tc>
+                <a:tc>
+                  <a:txBody>
+                    <a:bodyPr/>
+                    <a:lstStyle/>
+                    <a:p>
+                      <a:pPr>
+                        <a:lnSpc>
+                          <a:spcPct val="115000"/>
+                        </a:lnSpc>
+                        <a:spcAft>
+                          <a:spcPts val="1000"/>
+                        </a:spcAft>
+                        <a:buNone/>
+                      </a:pPr>
+                      <a:r>
+                        <a:rPr lang="en-IN" sz="1100">
+                          <a:effectLst/>
+                        </a:rPr>
+                        <a:t>Schema enforcement &amp; evolution</a:t>
+                      </a:r>
+                      <a:endParaRPr lang="en-IN" sz="1100">
+                        <a:effectLst/>
+                        <a:latin typeface="Calibri" panose="020F0502020204030204" pitchFamily="34" charset="0"/>
+                        <a:ea typeface="Calibri" panose="020F0502020204030204" pitchFamily="34" charset="0"/>
+                        <a:cs typeface="Times New Roman" panose="02020603050405020304" pitchFamily="18" charset="0"/>
+                      </a:endParaRPr>
+                    </a:p>
+                  </a:txBody>
+                  <a:tcPr marL="9525" marR="9525" marT="9525" marB="9525" anchor="ctr"/>
+                </a:tc>
+                <a:tc>
+                  <a:txBody>
+                    <a:bodyPr/>
+                    <a:lstStyle/>
+                    <a:p>
+                      <a:pPr>
+                        <a:lnSpc>
+                          <a:spcPct val="115000"/>
+                        </a:lnSpc>
+                        <a:spcAft>
+                          <a:spcPts val="1000"/>
+                        </a:spcAft>
+                        <a:buNone/>
+                      </a:pPr>
+                      <a:r>
+                        <a:rPr lang="en-IN" sz="1100">
+                          <a:effectLst/>
+                        </a:rPr>
+                        <a:t>Schema enforcement, but strict changes</a:t>
+                      </a:r>
+                      <a:endParaRPr lang="en-IN" sz="1100">
+                        <a:effectLst/>
+                        <a:latin typeface="Calibri" panose="020F0502020204030204" pitchFamily="34" charset="0"/>
+                        <a:ea typeface="Calibri" panose="020F0502020204030204" pitchFamily="34" charset="0"/>
+                        <a:cs typeface="Times New Roman" panose="02020603050405020304" pitchFamily="18" charset="0"/>
+                      </a:endParaRPr>
+                    </a:p>
+                  </a:txBody>
+                  <a:tcPr marL="9525" marR="9525" marT="9525" marB="9525" anchor="ctr"/>
+                </a:tc>
+                <a:extLst>
+                  <a:ext uri="{0D108BD9-81ED-4DB2-BD59-A6C34878D82A}">
+                    <a16:rowId xmlns:a16="http://schemas.microsoft.com/office/drawing/2014/main" val="355098436"/>
+                  </a:ext>
+                </a:extLst>
+              </a:tr>
+              <a:tr h="541226">
+                <a:tc>
+                  <a:txBody>
+                    <a:bodyPr/>
+                    <a:lstStyle/>
+                    <a:p>
+                      <a:pPr>
+                        <a:lnSpc>
+                          <a:spcPct val="115000"/>
+                        </a:lnSpc>
+                        <a:spcAft>
+                          <a:spcPts val="1000"/>
+                        </a:spcAft>
+                        <a:buNone/>
+                      </a:pPr>
+                      <a:r>
+                        <a:rPr lang="en-IN" sz="1100">
+                          <a:effectLst/>
+                        </a:rPr>
+                        <a:t>Scalability</a:t>
+                      </a:r>
+                      <a:endParaRPr lang="en-IN" sz="1100">
+                        <a:effectLst/>
+                        <a:latin typeface="Calibri" panose="020F0502020204030204" pitchFamily="34" charset="0"/>
+                        <a:ea typeface="Calibri" panose="020F0502020204030204" pitchFamily="34" charset="0"/>
+                        <a:cs typeface="Times New Roman" panose="02020603050405020304" pitchFamily="18" charset="0"/>
+                      </a:endParaRPr>
+                    </a:p>
+                  </a:txBody>
+                  <a:tcPr marL="9525" marR="9525" marT="9525" marB="9525" anchor="ctr"/>
+                </a:tc>
+                <a:tc>
+                  <a:txBody>
+                    <a:bodyPr/>
+                    <a:lstStyle/>
+                    <a:p>
+                      <a:pPr>
+                        <a:lnSpc>
+                          <a:spcPct val="115000"/>
+                        </a:lnSpc>
+                        <a:spcAft>
+                          <a:spcPts val="1000"/>
+                        </a:spcAft>
+                        <a:buNone/>
+                      </a:pPr>
+                      <a:r>
+                        <a:rPr lang="en-IN" sz="1100">
+                          <a:effectLst/>
+                        </a:rPr>
+                        <a:t>Petabyte-scale, distributed (Spark/Databricks)</a:t>
+                      </a:r>
+                      <a:endParaRPr lang="en-IN" sz="1100">
+                        <a:effectLst/>
+                        <a:latin typeface="Calibri" panose="020F0502020204030204" pitchFamily="34" charset="0"/>
+                        <a:ea typeface="Calibri" panose="020F0502020204030204" pitchFamily="34" charset="0"/>
+                        <a:cs typeface="Times New Roman" panose="02020603050405020304" pitchFamily="18" charset="0"/>
+                      </a:endParaRPr>
+                    </a:p>
+                  </a:txBody>
+                  <a:tcPr marL="9525" marR="9525" marT="9525" marB="9525" anchor="ctr"/>
+                </a:tc>
+                <a:tc>
+                  <a:txBody>
+                    <a:bodyPr/>
+                    <a:lstStyle/>
+                    <a:p>
+                      <a:pPr>
+                        <a:lnSpc>
+                          <a:spcPct val="115000"/>
+                        </a:lnSpc>
+                        <a:spcAft>
+                          <a:spcPts val="1000"/>
+                        </a:spcAft>
+                        <a:buNone/>
+                      </a:pPr>
+                      <a:r>
+                        <a:rPr lang="en-IN" sz="1100">
+                          <a:effectLst/>
+                        </a:rPr>
+                        <a:t>Limited by server capacity (scales up)</a:t>
+                      </a:r>
+                      <a:endParaRPr lang="en-IN" sz="1100">
+                        <a:effectLst/>
+                        <a:latin typeface="Calibri" panose="020F0502020204030204" pitchFamily="34" charset="0"/>
+                        <a:ea typeface="Calibri" panose="020F0502020204030204" pitchFamily="34" charset="0"/>
+                        <a:cs typeface="Times New Roman" panose="02020603050405020304" pitchFamily="18" charset="0"/>
+                      </a:endParaRPr>
+                    </a:p>
+                  </a:txBody>
+                  <a:tcPr marL="9525" marR="9525" marT="9525" marB="9525" anchor="ctr"/>
+                </a:tc>
+                <a:extLst>
+                  <a:ext uri="{0D108BD9-81ED-4DB2-BD59-A6C34878D82A}">
+                    <a16:rowId xmlns:a16="http://schemas.microsoft.com/office/drawing/2014/main" val="3977186433"/>
+                  </a:ext>
+                </a:extLst>
+              </a:tr>
+              <a:tr h="541226">
+                <a:tc>
+                  <a:txBody>
+                    <a:bodyPr/>
+                    <a:lstStyle/>
+                    <a:p>
+                      <a:pPr>
+                        <a:lnSpc>
+                          <a:spcPct val="115000"/>
+                        </a:lnSpc>
+                        <a:spcAft>
+                          <a:spcPts val="1000"/>
+                        </a:spcAft>
+                        <a:buNone/>
+                      </a:pPr>
+                      <a:r>
+                        <a:rPr lang="en-IN" sz="1100">
+                          <a:effectLst/>
+                        </a:rPr>
+                        <a:t>Workloads</a:t>
+                      </a:r>
+                      <a:endParaRPr lang="en-IN" sz="1100">
+                        <a:effectLst/>
+                        <a:latin typeface="Calibri" panose="020F0502020204030204" pitchFamily="34" charset="0"/>
+                        <a:ea typeface="Calibri" panose="020F0502020204030204" pitchFamily="34" charset="0"/>
+                        <a:cs typeface="Times New Roman" panose="02020603050405020304" pitchFamily="18" charset="0"/>
+                      </a:endParaRPr>
+                    </a:p>
+                  </a:txBody>
+                  <a:tcPr marL="9525" marR="9525" marT="9525" marB="9525" anchor="ctr"/>
+                </a:tc>
+                <a:tc>
+                  <a:txBody>
+                    <a:bodyPr/>
+                    <a:lstStyle/>
+                    <a:p>
+                      <a:pPr>
+                        <a:lnSpc>
+                          <a:spcPct val="115000"/>
+                        </a:lnSpc>
+                        <a:spcAft>
+                          <a:spcPts val="1000"/>
+                        </a:spcAft>
+                        <a:buNone/>
+                      </a:pPr>
+                      <a:r>
+                        <a:rPr lang="en-IN" sz="1100">
+                          <a:effectLst/>
+                        </a:rPr>
+                        <a:t>Batch + Streaming + ML</a:t>
+                      </a:r>
+                      <a:endParaRPr lang="en-IN" sz="1100">
+                        <a:effectLst/>
+                        <a:latin typeface="Calibri" panose="020F0502020204030204" pitchFamily="34" charset="0"/>
+                        <a:ea typeface="Calibri" panose="020F0502020204030204" pitchFamily="34" charset="0"/>
+                        <a:cs typeface="Times New Roman" panose="02020603050405020304" pitchFamily="18" charset="0"/>
+                      </a:endParaRPr>
+                    </a:p>
+                  </a:txBody>
+                  <a:tcPr marL="9525" marR="9525" marT="9525" marB="9525" anchor="ctr"/>
+                </a:tc>
+                <a:tc>
+                  <a:txBody>
+                    <a:bodyPr/>
+                    <a:lstStyle/>
+                    <a:p>
+                      <a:pPr>
+                        <a:lnSpc>
+                          <a:spcPct val="115000"/>
+                        </a:lnSpc>
+                        <a:spcAft>
+                          <a:spcPts val="1000"/>
+                        </a:spcAft>
+                        <a:buNone/>
+                      </a:pPr>
+                      <a:r>
+                        <a:rPr lang="en-IN" sz="1100">
+                          <a:effectLst/>
+                        </a:rPr>
+                        <a:t>Mostly OLTP, some OLAP (with warehouses)</a:t>
+                      </a:r>
+                      <a:endParaRPr lang="en-IN" sz="1100">
+                        <a:effectLst/>
+                        <a:latin typeface="Calibri" panose="020F0502020204030204" pitchFamily="34" charset="0"/>
+                        <a:ea typeface="Calibri" panose="020F0502020204030204" pitchFamily="34" charset="0"/>
+                        <a:cs typeface="Times New Roman" panose="02020603050405020304" pitchFamily="18" charset="0"/>
+                      </a:endParaRPr>
+                    </a:p>
+                  </a:txBody>
+                  <a:tcPr marL="9525" marR="9525" marT="9525" marB="9525" anchor="ctr"/>
+                </a:tc>
+                <a:extLst>
+                  <a:ext uri="{0D108BD9-81ED-4DB2-BD59-A6C34878D82A}">
+                    <a16:rowId xmlns:a16="http://schemas.microsoft.com/office/drawing/2014/main" val="793053807"/>
+                  </a:ext>
+                </a:extLst>
+              </a:tr>
+              <a:tr h="275771">
+                <a:tc>
+                  <a:txBody>
+                    <a:bodyPr/>
+                    <a:lstStyle/>
+                    <a:p>
+                      <a:pPr>
+                        <a:lnSpc>
+                          <a:spcPct val="115000"/>
+                        </a:lnSpc>
+                        <a:spcAft>
+                          <a:spcPts val="1000"/>
+                        </a:spcAft>
+                        <a:buNone/>
+                      </a:pPr>
+                      <a:r>
+                        <a:rPr lang="en-IN" sz="1100">
+                          <a:effectLst/>
+                        </a:rPr>
+                        <a:t>Query Language</a:t>
+                      </a:r>
+                      <a:endParaRPr lang="en-IN" sz="1100">
+                        <a:effectLst/>
+                        <a:latin typeface="Calibri" panose="020F0502020204030204" pitchFamily="34" charset="0"/>
+                        <a:ea typeface="Calibri" panose="020F0502020204030204" pitchFamily="34" charset="0"/>
+                        <a:cs typeface="Times New Roman" panose="02020603050405020304" pitchFamily="18" charset="0"/>
+                      </a:endParaRPr>
+                    </a:p>
+                  </a:txBody>
+                  <a:tcPr marL="9525" marR="9525" marT="9525" marB="9525" anchor="ctr"/>
+                </a:tc>
+                <a:tc>
+                  <a:txBody>
+                    <a:bodyPr/>
+                    <a:lstStyle/>
+                    <a:p>
+                      <a:pPr>
+                        <a:lnSpc>
+                          <a:spcPct val="115000"/>
+                        </a:lnSpc>
+                        <a:spcAft>
+                          <a:spcPts val="1000"/>
+                        </a:spcAft>
+                        <a:buNone/>
+                      </a:pPr>
+                      <a:r>
+                        <a:rPr lang="en-IN" sz="1100">
+                          <a:effectLst/>
+                        </a:rPr>
+                        <a:t>Uses Spark SQL / Delta SQL (SQL-like)</a:t>
+                      </a:r>
+                      <a:endParaRPr lang="en-IN" sz="1100">
+                        <a:effectLst/>
+                        <a:latin typeface="Calibri" panose="020F0502020204030204" pitchFamily="34" charset="0"/>
+                        <a:ea typeface="Calibri" panose="020F0502020204030204" pitchFamily="34" charset="0"/>
+                        <a:cs typeface="Times New Roman" panose="02020603050405020304" pitchFamily="18" charset="0"/>
+                      </a:endParaRPr>
+                    </a:p>
+                  </a:txBody>
+                  <a:tcPr marL="9525" marR="9525" marT="9525" marB="9525" anchor="ctr"/>
+                </a:tc>
+                <a:tc>
+                  <a:txBody>
+                    <a:bodyPr/>
+                    <a:lstStyle/>
+                    <a:p>
+                      <a:pPr>
+                        <a:lnSpc>
+                          <a:spcPct val="115000"/>
+                        </a:lnSpc>
+                        <a:spcAft>
+                          <a:spcPts val="1000"/>
+                        </a:spcAft>
+                        <a:buNone/>
+                      </a:pPr>
+                      <a:r>
+                        <a:rPr lang="en-IN" sz="1100">
+                          <a:effectLst/>
+                        </a:rPr>
+                        <a:t>Standard SQL</a:t>
+                      </a:r>
+                      <a:endParaRPr lang="en-IN" sz="1100">
+                        <a:effectLst/>
+                        <a:latin typeface="Calibri" panose="020F0502020204030204" pitchFamily="34" charset="0"/>
+                        <a:ea typeface="Calibri" panose="020F0502020204030204" pitchFamily="34" charset="0"/>
+                        <a:cs typeface="Times New Roman" panose="02020603050405020304" pitchFamily="18" charset="0"/>
+                      </a:endParaRPr>
+                    </a:p>
+                  </a:txBody>
+                  <a:tcPr marL="9525" marR="9525" marT="9525" marB="9525" anchor="ctr"/>
+                </a:tc>
+                <a:extLst>
+                  <a:ext uri="{0D108BD9-81ED-4DB2-BD59-A6C34878D82A}">
+                    <a16:rowId xmlns:a16="http://schemas.microsoft.com/office/drawing/2014/main" val="752860081"/>
+                  </a:ext>
+                </a:extLst>
+              </a:tr>
+              <a:tr h="541226">
+                <a:tc>
+                  <a:txBody>
+                    <a:bodyPr/>
+                    <a:lstStyle/>
+                    <a:p>
+                      <a:pPr>
+                        <a:lnSpc>
+                          <a:spcPct val="115000"/>
+                        </a:lnSpc>
+                        <a:spcAft>
+                          <a:spcPts val="1000"/>
+                        </a:spcAft>
+                        <a:buNone/>
+                      </a:pPr>
+                      <a:r>
+                        <a:rPr lang="en-IN" sz="1100">
+                          <a:effectLst/>
+                        </a:rPr>
+                        <a:t>Data Types</a:t>
+                      </a:r>
+                      <a:endParaRPr lang="en-IN" sz="1100">
+                        <a:effectLst/>
+                        <a:latin typeface="Calibri" panose="020F0502020204030204" pitchFamily="34" charset="0"/>
+                        <a:ea typeface="Calibri" panose="020F0502020204030204" pitchFamily="34" charset="0"/>
+                        <a:cs typeface="Times New Roman" panose="02020603050405020304" pitchFamily="18" charset="0"/>
+                      </a:endParaRPr>
+                    </a:p>
+                  </a:txBody>
+                  <a:tcPr marL="9525" marR="9525" marT="9525" marB="9525" anchor="ctr"/>
+                </a:tc>
+                <a:tc>
+                  <a:txBody>
+                    <a:bodyPr/>
+                    <a:lstStyle/>
+                    <a:p>
+                      <a:pPr>
+                        <a:lnSpc>
+                          <a:spcPct val="115000"/>
+                        </a:lnSpc>
+                        <a:spcAft>
+                          <a:spcPts val="1000"/>
+                        </a:spcAft>
+                        <a:buNone/>
+                      </a:pPr>
+                      <a:r>
+                        <a:rPr lang="en-IN" sz="1100">
+                          <a:effectLst/>
+                        </a:rPr>
+                        <a:t>Structured + Semi-structured (JSON, Avro, Parquet)</a:t>
+                      </a:r>
+                      <a:endParaRPr lang="en-IN" sz="1100">
+                        <a:effectLst/>
+                        <a:latin typeface="Calibri" panose="020F0502020204030204" pitchFamily="34" charset="0"/>
+                        <a:ea typeface="Calibri" panose="020F0502020204030204" pitchFamily="34" charset="0"/>
+                        <a:cs typeface="Times New Roman" panose="02020603050405020304" pitchFamily="18" charset="0"/>
+                      </a:endParaRPr>
+                    </a:p>
+                  </a:txBody>
+                  <a:tcPr marL="9525" marR="9525" marT="9525" marB="9525" anchor="ctr"/>
+                </a:tc>
+                <a:tc>
+                  <a:txBody>
+                    <a:bodyPr/>
+                    <a:lstStyle/>
+                    <a:p>
+                      <a:pPr>
+                        <a:lnSpc>
+                          <a:spcPct val="115000"/>
+                        </a:lnSpc>
+                        <a:spcAft>
+                          <a:spcPts val="1000"/>
+                        </a:spcAft>
+                        <a:buNone/>
+                      </a:pPr>
+                      <a:r>
+                        <a:rPr lang="en-IN" sz="1100">
+                          <a:effectLst/>
+                        </a:rPr>
+                        <a:t>Mostly structured tables</a:t>
+                      </a:r>
+                      <a:endParaRPr lang="en-IN" sz="1100">
+                        <a:effectLst/>
+                        <a:latin typeface="Calibri" panose="020F0502020204030204" pitchFamily="34" charset="0"/>
+                        <a:ea typeface="Calibri" panose="020F0502020204030204" pitchFamily="34" charset="0"/>
+                        <a:cs typeface="Times New Roman" panose="02020603050405020304" pitchFamily="18" charset="0"/>
+                      </a:endParaRPr>
+                    </a:p>
+                  </a:txBody>
+                  <a:tcPr marL="9525" marR="9525" marT="9525" marB="9525" anchor="ctr"/>
+                </a:tc>
+                <a:extLst>
+                  <a:ext uri="{0D108BD9-81ED-4DB2-BD59-A6C34878D82A}">
+                    <a16:rowId xmlns:a16="http://schemas.microsoft.com/office/drawing/2014/main" val="2994182376"/>
+                  </a:ext>
+                </a:extLst>
+              </a:tr>
+              <a:tr h="541226">
+                <a:tc>
+                  <a:txBody>
+                    <a:bodyPr/>
+                    <a:lstStyle/>
+                    <a:p>
+                      <a:pPr>
+                        <a:lnSpc>
+                          <a:spcPct val="115000"/>
+                        </a:lnSpc>
+                        <a:spcAft>
+                          <a:spcPts val="1000"/>
+                        </a:spcAft>
+                        <a:buNone/>
+                      </a:pPr>
+                      <a:r>
+                        <a:rPr lang="en-IN" sz="1100">
+                          <a:effectLst/>
+                        </a:rPr>
+                        <a:t>Use Case</a:t>
+                      </a:r>
+                      <a:endParaRPr lang="en-IN" sz="1100">
+                        <a:effectLst/>
+                        <a:latin typeface="Calibri" panose="020F0502020204030204" pitchFamily="34" charset="0"/>
+                        <a:ea typeface="Calibri" panose="020F0502020204030204" pitchFamily="34" charset="0"/>
+                        <a:cs typeface="Times New Roman" panose="02020603050405020304" pitchFamily="18" charset="0"/>
+                      </a:endParaRPr>
+                    </a:p>
+                  </a:txBody>
+                  <a:tcPr marL="9525" marR="9525" marT="9525" marB="9525" anchor="ctr"/>
+                </a:tc>
+                <a:tc>
+                  <a:txBody>
+                    <a:bodyPr/>
+                    <a:lstStyle/>
+                    <a:p>
+                      <a:pPr>
+                        <a:lnSpc>
+                          <a:spcPct val="115000"/>
+                        </a:lnSpc>
+                        <a:spcAft>
+                          <a:spcPts val="1000"/>
+                        </a:spcAft>
+                        <a:buNone/>
+                      </a:pPr>
+                      <a:r>
+                        <a:rPr lang="en-IN" sz="1100">
+                          <a:effectLst/>
+                        </a:rPr>
+                        <a:t>Lakehouse, BI + ML pipelines, historical storage</a:t>
+                      </a:r>
+                      <a:endParaRPr lang="en-IN" sz="1100">
+                        <a:effectLst/>
+                        <a:latin typeface="Calibri" panose="020F0502020204030204" pitchFamily="34" charset="0"/>
+                        <a:ea typeface="Calibri" panose="020F0502020204030204" pitchFamily="34" charset="0"/>
+                        <a:cs typeface="Times New Roman" panose="02020603050405020304" pitchFamily="18" charset="0"/>
+                      </a:endParaRPr>
+                    </a:p>
+                  </a:txBody>
+                  <a:tcPr marL="9525" marR="9525" marT="9525" marB="9525" anchor="ctr"/>
+                </a:tc>
+                <a:tc>
+                  <a:txBody>
+                    <a:bodyPr/>
+                    <a:lstStyle/>
+                    <a:p>
+                      <a:pPr>
+                        <a:lnSpc>
+                          <a:spcPct val="115000"/>
+                        </a:lnSpc>
+                        <a:spcAft>
+                          <a:spcPts val="1000"/>
+                        </a:spcAft>
+                        <a:buNone/>
+                      </a:pPr>
+                      <a:r>
+                        <a:rPr lang="en-IN" sz="1100" dirty="0">
+                          <a:effectLst/>
+                        </a:rPr>
+                        <a:t>Apps, transactional systems, smaller BI</a:t>
+                      </a:r>
+                      <a:endParaRPr lang="en-IN" sz="1100" dirty="0">
+                        <a:effectLst/>
+                        <a:latin typeface="Calibri" panose="020F0502020204030204" pitchFamily="34" charset="0"/>
+                        <a:ea typeface="Calibri" panose="020F0502020204030204" pitchFamily="34" charset="0"/>
+                        <a:cs typeface="Times New Roman" panose="02020603050405020304" pitchFamily="18" charset="0"/>
+                      </a:endParaRPr>
+                    </a:p>
+                  </a:txBody>
+                  <a:tcPr marL="9525" marR="9525" marT="9525" marB="9525" anchor="ctr"/>
+                </a:tc>
+                <a:extLst>
+                  <a:ext uri="{0D108BD9-81ED-4DB2-BD59-A6C34878D82A}">
+                    <a16:rowId xmlns:a16="http://schemas.microsoft.com/office/drawing/2014/main" val="1048722103"/>
+                  </a:ext>
+                </a:extLst>
+              </a:tr>
+            </a:tbl>
+          </a:graphicData>
+        </a:graphic>
+      </p:graphicFrame>
+    </p:spTree>
+    <p:extLst>
+      <p:ext uri="{BB962C8B-B14F-4D97-AF65-F5344CB8AC3E}">
+        <p14:creationId xmlns:p14="http://schemas.microsoft.com/office/powerpoint/2010/main" val="132601942"/>
+      </p:ext>
+    </p:extLst>
+  </p:cSld>
+  <p:clrMapOvr>
+    <a:masterClrMapping/>
+  </p:clrMapOvr>
+</p:sld>
+</file>
+
+<file path=ppt/slides/slide14.xml><?xml version="1.0" encoding="utf-8"?>
+<p:sld xmlns:a="http://schemas.openxmlformats.org/drawingml/2006/main" xmlns:r="http://schemas.openxmlformats.org/officeDocument/2006/relationships" xmlns:p="http://schemas.openxmlformats.org/presentationml/2006/main">
+  <p:cSld>
+    <p:spTree>
+      <p:nvGrpSpPr>
+        <p:cNvPr id="1" name=""/>
+        <p:cNvGrpSpPr/>
+        <p:nvPr/>
+      </p:nvGrpSpPr>
+      <p:grpSpPr>
+        <a:xfrm>
+          <a:off x="0" y="0"/>
+          <a:ext cx="0" cy="0"/>
+          <a:chOff x="0" y="0"/>
+          <a:chExt cx="0" cy="0"/>
+        </a:xfrm>
+      </p:grpSpPr>
+      <p:sp>
+        <p:nvSpPr>
+          <p:cNvPr id="2" name="Title 1">
+            <a:extLst>
+              <a:ext uri="{FF2B5EF4-FFF2-40B4-BE49-F238E27FC236}">
+                <a16:creationId xmlns:a16="http://schemas.microsoft.com/office/drawing/2014/main" id="{208EF7FD-FECF-70E6-7D79-51902CF0D886}"/>
+              </a:ext>
+            </a:extLst>
+          </p:cNvPr>
+          <p:cNvSpPr>
+            <a:spLocks noGrp="1"/>
+          </p:cNvSpPr>
+          <p:nvPr>
+            <p:ph type="title"/>
+          </p:nvPr>
+        </p:nvSpPr>
+        <p:spPr/>
+        <p:txBody>
+          <a:bodyPr/>
+          <a:lstStyle/>
+          <a:p>
+            <a:r>
+              <a:rPr lang="en-US" dirty="0"/>
+              <a:t>Questions</a:t>
+            </a:r>
+            <a:endParaRPr lang="en-IN" dirty="0"/>
+          </a:p>
+        </p:txBody>
+      </p:sp>
+      <p:graphicFrame>
+        <p:nvGraphicFramePr>
+          <p:cNvPr id="4" name="Content Placeholder 3">
+            <a:extLst>
+              <a:ext uri="{FF2B5EF4-FFF2-40B4-BE49-F238E27FC236}">
+                <a16:creationId xmlns:a16="http://schemas.microsoft.com/office/drawing/2014/main" id="{9862563C-33EF-182E-5F61-F2B635E471A9}"/>
+              </a:ext>
+            </a:extLst>
+          </p:cNvPr>
+          <p:cNvGraphicFramePr>
+            <a:graphicFrameLocks noGrp="1"/>
+          </p:cNvGraphicFramePr>
+          <p:nvPr>
+            <p:ph idx="1"/>
+            <p:extLst>
+              <p:ext uri="{D42A27DB-BD31-4B8C-83A1-F6EECF244321}">
+                <p14:modId xmlns:p14="http://schemas.microsoft.com/office/powerpoint/2010/main" val="3413016788"/>
+              </p:ext>
+            </p:extLst>
+          </p:nvPr>
+        </p:nvGraphicFramePr>
+        <p:xfrm>
+          <a:off x="768350" y="2084832"/>
+          <a:ext cx="8077475" cy="4187952"/>
+        </p:xfrm>
+        <a:graphic>
+          <a:graphicData uri="http://schemas.openxmlformats.org/drawingml/2006/table">
+            <a:tbl>
+              <a:tblPr firstRow="1" firstCol="1" bandRow="1">
+                <a:tableStyleId>{5C22544A-7EE6-4342-B048-85BDC9FD1C3A}</a:tableStyleId>
+              </a:tblPr>
+              <a:tblGrid>
+                <a:gridCol w="1615495">
+                  <a:extLst>
+                    <a:ext uri="{9D8B030D-6E8A-4147-A177-3AD203B41FA5}">
+                      <a16:colId xmlns:a16="http://schemas.microsoft.com/office/drawing/2014/main" val="2081782900"/>
+                    </a:ext>
+                  </a:extLst>
+                </a:gridCol>
+                <a:gridCol w="1615495">
+                  <a:extLst>
+                    <a:ext uri="{9D8B030D-6E8A-4147-A177-3AD203B41FA5}">
+                      <a16:colId xmlns:a16="http://schemas.microsoft.com/office/drawing/2014/main" val="3233734774"/>
+                    </a:ext>
+                  </a:extLst>
+                </a:gridCol>
+                <a:gridCol w="1615495">
+                  <a:extLst>
+                    <a:ext uri="{9D8B030D-6E8A-4147-A177-3AD203B41FA5}">
+                      <a16:colId xmlns:a16="http://schemas.microsoft.com/office/drawing/2014/main" val="1288177523"/>
+                    </a:ext>
+                  </a:extLst>
+                </a:gridCol>
+                <a:gridCol w="1615495">
+                  <a:extLst>
+                    <a:ext uri="{9D8B030D-6E8A-4147-A177-3AD203B41FA5}">
+                      <a16:colId xmlns:a16="http://schemas.microsoft.com/office/drawing/2014/main" val="2080489108"/>
+                    </a:ext>
+                  </a:extLst>
+                </a:gridCol>
+                <a:gridCol w="1615495">
+                  <a:extLst>
+                    <a:ext uri="{9D8B030D-6E8A-4147-A177-3AD203B41FA5}">
+                      <a16:colId xmlns:a16="http://schemas.microsoft.com/office/drawing/2014/main" val="806123601"/>
+                    </a:ext>
+                  </a:extLst>
+                </a:gridCol>
+              </a:tblGrid>
+              <a:tr h="533473">
+                <a:tc>
+                  <a:txBody>
+                    <a:bodyPr/>
+                    <a:lstStyle/>
+                    <a:p>
+                      <a:pPr>
+                        <a:lnSpc>
+                          <a:spcPct val="115000"/>
+                        </a:lnSpc>
+                        <a:spcAft>
+                          <a:spcPts val="1000"/>
+                        </a:spcAft>
+                        <a:buNone/>
+                      </a:pPr>
+                      <a:r>
+                        <a:rPr lang="en-IN" sz="1100">
+                          <a:effectLst/>
+                        </a:rPr>
+                        <a:t>Command</a:t>
+                      </a:r>
+                      <a:endParaRPr lang="en-IN" sz="1100">
+                        <a:effectLst/>
+                        <a:latin typeface="Calibri" panose="020F0502020204030204" pitchFamily="34" charset="0"/>
+                        <a:ea typeface="Calibri" panose="020F0502020204030204" pitchFamily="34" charset="0"/>
+                        <a:cs typeface="Times New Roman" panose="02020603050405020304" pitchFamily="18" charset="0"/>
+                      </a:endParaRPr>
+                    </a:p>
+                  </a:txBody>
+                  <a:tcPr marL="9525" marR="9525" marT="9525" marB="9525" anchor="ctr"/>
+                </a:tc>
+                <a:tc>
+                  <a:txBody>
+                    <a:bodyPr/>
+                    <a:lstStyle/>
+                    <a:p>
+                      <a:pPr>
+                        <a:lnSpc>
+                          <a:spcPct val="115000"/>
+                        </a:lnSpc>
+                        <a:spcAft>
+                          <a:spcPts val="1000"/>
+                        </a:spcAft>
+                        <a:buNone/>
+                      </a:pPr>
+                      <a:r>
+                        <a:rPr lang="en-IN" sz="1100">
+                          <a:effectLst/>
+                        </a:rPr>
+                        <a:t>Scope</a:t>
+                      </a:r>
+                      <a:endParaRPr lang="en-IN" sz="1100">
+                        <a:effectLst/>
+                        <a:latin typeface="Calibri" panose="020F0502020204030204" pitchFamily="34" charset="0"/>
+                        <a:ea typeface="Calibri" panose="020F0502020204030204" pitchFamily="34" charset="0"/>
+                        <a:cs typeface="Times New Roman" panose="02020603050405020304" pitchFamily="18" charset="0"/>
+                      </a:endParaRPr>
+                    </a:p>
+                  </a:txBody>
+                  <a:tcPr marL="9525" marR="9525" marT="9525" marB="9525" anchor="ctr"/>
+                </a:tc>
+                <a:tc>
+                  <a:txBody>
+                    <a:bodyPr/>
+                    <a:lstStyle/>
+                    <a:p>
+                      <a:pPr>
+                        <a:lnSpc>
+                          <a:spcPct val="115000"/>
+                        </a:lnSpc>
+                        <a:spcAft>
+                          <a:spcPts val="1000"/>
+                        </a:spcAft>
+                        <a:buNone/>
+                      </a:pPr>
+                      <a:r>
+                        <a:rPr lang="en-IN" sz="1100">
+                          <a:effectLst/>
+                        </a:rPr>
+                        <a:t>Delta Lake Behavior</a:t>
+                      </a:r>
+                      <a:endParaRPr lang="en-IN" sz="1100">
+                        <a:effectLst/>
+                        <a:latin typeface="Calibri" panose="020F0502020204030204" pitchFamily="34" charset="0"/>
+                        <a:ea typeface="Calibri" panose="020F0502020204030204" pitchFamily="34" charset="0"/>
+                        <a:cs typeface="Times New Roman" panose="02020603050405020304" pitchFamily="18" charset="0"/>
+                      </a:endParaRPr>
+                    </a:p>
+                  </a:txBody>
+                  <a:tcPr marL="9525" marR="9525" marT="9525" marB="9525" anchor="ctr"/>
+                </a:tc>
+                <a:tc>
+                  <a:txBody>
+                    <a:bodyPr/>
+                    <a:lstStyle/>
+                    <a:p>
+                      <a:pPr>
+                        <a:lnSpc>
+                          <a:spcPct val="115000"/>
+                        </a:lnSpc>
+                        <a:spcAft>
+                          <a:spcPts val="1000"/>
+                        </a:spcAft>
+                        <a:buNone/>
+                      </a:pPr>
+                      <a:r>
+                        <a:rPr lang="en-IN" sz="1100">
+                          <a:effectLst/>
+                        </a:rPr>
+                        <a:t>Keeps History?</a:t>
+                      </a:r>
+                      <a:endParaRPr lang="en-IN" sz="1100">
+                        <a:effectLst/>
+                        <a:latin typeface="Calibri" panose="020F0502020204030204" pitchFamily="34" charset="0"/>
+                        <a:ea typeface="Calibri" panose="020F0502020204030204" pitchFamily="34" charset="0"/>
+                        <a:cs typeface="Times New Roman" panose="02020603050405020304" pitchFamily="18" charset="0"/>
+                      </a:endParaRPr>
+                    </a:p>
+                  </a:txBody>
+                  <a:tcPr marL="9525" marR="9525" marT="9525" marB="9525" anchor="ctr"/>
+                </a:tc>
+                <a:tc>
+                  <a:txBody>
+                    <a:bodyPr/>
+                    <a:lstStyle/>
+                    <a:p>
+                      <a:pPr>
+                        <a:lnSpc>
+                          <a:spcPct val="115000"/>
+                        </a:lnSpc>
+                        <a:spcAft>
+                          <a:spcPts val="1000"/>
+                        </a:spcAft>
+                        <a:buNone/>
+                      </a:pPr>
+                      <a:r>
+                        <a:rPr lang="en-IN" sz="1100">
+                          <a:effectLst/>
+                        </a:rPr>
+                        <a:t>Use Case</a:t>
+                      </a:r>
+                      <a:endParaRPr lang="en-IN" sz="1100">
+                        <a:effectLst/>
+                        <a:latin typeface="Calibri" panose="020F0502020204030204" pitchFamily="34" charset="0"/>
+                        <a:ea typeface="Calibri" panose="020F0502020204030204" pitchFamily="34" charset="0"/>
+                        <a:cs typeface="Times New Roman" panose="02020603050405020304" pitchFamily="18" charset="0"/>
+                      </a:endParaRPr>
+                    </a:p>
+                  </a:txBody>
+                  <a:tcPr marL="9525" marR="9525" marT="9525" marB="9525" anchor="ctr"/>
+                </a:tc>
+                <a:extLst>
+                  <a:ext uri="{0D108BD9-81ED-4DB2-BD59-A6C34878D82A}">
+                    <a16:rowId xmlns:a16="http://schemas.microsoft.com/office/drawing/2014/main" val="726381883"/>
+                  </a:ext>
+                </a:extLst>
+              </a:tr>
+              <a:tr h="1046988">
+                <a:tc>
+                  <a:txBody>
+                    <a:bodyPr/>
+                    <a:lstStyle/>
+                    <a:p>
+                      <a:pPr>
+                        <a:lnSpc>
+                          <a:spcPct val="115000"/>
+                        </a:lnSpc>
+                        <a:spcAft>
+                          <a:spcPts val="1000"/>
+                        </a:spcAft>
+                        <a:buNone/>
+                      </a:pPr>
+                      <a:r>
+                        <a:rPr lang="en-IN" sz="1100">
+                          <a:effectLst/>
+                        </a:rPr>
+                        <a:t>DELETE</a:t>
+                      </a:r>
+                      <a:endParaRPr lang="en-IN" sz="1100">
+                        <a:effectLst/>
+                        <a:latin typeface="Calibri" panose="020F0502020204030204" pitchFamily="34" charset="0"/>
+                        <a:ea typeface="Calibri" panose="020F0502020204030204" pitchFamily="34" charset="0"/>
+                        <a:cs typeface="Times New Roman" panose="02020603050405020304" pitchFamily="18" charset="0"/>
+                      </a:endParaRPr>
+                    </a:p>
+                  </a:txBody>
+                  <a:tcPr marL="9525" marR="9525" marT="9525" marB="9525" anchor="ctr"/>
+                </a:tc>
+                <a:tc>
+                  <a:txBody>
+                    <a:bodyPr/>
+                    <a:lstStyle/>
+                    <a:p>
+                      <a:pPr>
+                        <a:lnSpc>
+                          <a:spcPct val="115000"/>
+                        </a:lnSpc>
+                        <a:spcAft>
+                          <a:spcPts val="1000"/>
+                        </a:spcAft>
+                        <a:buNone/>
+                      </a:pPr>
+                      <a:r>
+                        <a:rPr lang="en-IN" sz="1100" dirty="0">
+                          <a:effectLst/>
+                        </a:rPr>
+                        <a:t>Conditional rows</a:t>
+                      </a:r>
+                      <a:endParaRPr lang="en-IN" sz="1100" dirty="0">
+                        <a:effectLst/>
+                        <a:latin typeface="Calibri" panose="020F0502020204030204" pitchFamily="34" charset="0"/>
+                        <a:ea typeface="Calibri" panose="020F0502020204030204" pitchFamily="34" charset="0"/>
+                        <a:cs typeface="Times New Roman" panose="02020603050405020304" pitchFamily="18" charset="0"/>
+                      </a:endParaRPr>
+                    </a:p>
+                  </a:txBody>
+                  <a:tcPr marL="9525" marR="9525" marT="9525" marB="9525" anchor="ctr"/>
+                </a:tc>
+                <a:tc>
+                  <a:txBody>
+                    <a:bodyPr/>
+                    <a:lstStyle/>
+                    <a:p>
+                      <a:pPr>
+                        <a:lnSpc>
+                          <a:spcPct val="115000"/>
+                        </a:lnSpc>
+                        <a:spcAft>
+                          <a:spcPts val="1000"/>
+                        </a:spcAft>
+                        <a:buNone/>
+                      </a:pPr>
+                      <a:r>
+                        <a:rPr lang="en-IN" sz="1100">
+                          <a:effectLst/>
+                        </a:rPr>
+                        <a:t>Creates new version without those rows</a:t>
+                      </a:r>
+                      <a:endParaRPr lang="en-IN" sz="1100">
+                        <a:effectLst/>
+                        <a:latin typeface="Calibri" panose="020F0502020204030204" pitchFamily="34" charset="0"/>
+                        <a:ea typeface="Calibri" panose="020F0502020204030204" pitchFamily="34" charset="0"/>
+                        <a:cs typeface="Times New Roman" panose="02020603050405020304" pitchFamily="18" charset="0"/>
+                      </a:endParaRPr>
+                    </a:p>
+                  </a:txBody>
+                  <a:tcPr marL="9525" marR="9525" marT="9525" marB="9525" anchor="ctr"/>
+                </a:tc>
+                <a:tc>
+                  <a:txBody>
+                    <a:bodyPr/>
+                    <a:lstStyle/>
+                    <a:p>
+                      <a:pPr>
+                        <a:lnSpc>
+                          <a:spcPct val="115000"/>
+                        </a:lnSpc>
+                        <a:spcAft>
+                          <a:spcPts val="1000"/>
+                        </a:spcAft>
+                        <a:buNone/>
+                      </a:pPr>
+                      <a:r>
+                        <a:rPr lang="en-IN" sz="1100">
+                          <a:effectLst/>
+                        </a:rPr>
+                        <a:t>Yes (until VACUUM)</a:t>
+                      </a:r>
+                      <a:endParaRPr lang="en-IN" sz="1100">
+                        <a:effectLst/>
+                        <a:latin typeface="Calibri" panose="020F0502020204030204" pitchFamily="34" charset="0"/>
+                        <a:ea typeface="Calibri" panose="020F0502020204030204" pitchFamily="34" charset="0"/>
+                        <a:cs typeface="Times New Roman" panose="02020603050405020304" pitchFamily="18" charset="0"/>
+                      </a:endParaRPr>
+                    </a:p>
+                  </a:txBody>
+                  <a:tcPr marL="9525" marR="9525" marT="9525" marB="9525" anchor="ctr"/>
+                </a:tc>
+                <a:tc>
+                  <a:txBody>
+                    <a:bodyPr/>
+                    <a:lstStyle/>
+                    <a:p>
+                      <a:pPr>
+                        <a:lnSpc>
+                          <a:spcPct val="115000"/>
+                        </a:lnSpc>
+                        <a:spcAft>
+                          <a:spcPts val="1000"/>
+                        </a:spcAft>
+                        <a:buNone/>
+                      </a:pPr>
+                      <a:r>
+                        <a:rPr lang="en-IN" sz="1100">
+                          <a:effectLst/>
+                        </a:rPr>
+                        <a:t>Remove specific records</a:t>
+                      </a:r>
+                      <a:endParaRPr lang="en-IN" sz="1100">
+                        <a:effectLst/>
+                        <a:latin typeface="Calibri" panose="020F0502020204030204" pitchFamily="34" charset="0"/>
+                        <a:ea typeface="Calibri" panose="020F0502020204030204" pitchFamily="34" charset="0"/>
+                        <a:cs typeface="Times New Roman" panose="02020603050405020304" pitchFamily="18" charset="0"/>
+                      </a:endParaRPr>
+                    </a:p>
+                  </a:txBody>
+                  <a:tcPr marL="9525" marR="9525" marT="9525" marB="9525" anchor="ctr"/>
+                </a:tc>
+                <a:extLst>
+                  <a:ext uri="{0D108BD9-81ED-4DB2-BD59-A6C34878D82A}">
+                    <a16:rowId xmlns:a16="http://schemas.microsoft.com/office/drawing/2014/main" val="1089828592"/>
+                  </a:ext>
+                </a:extLst>
+              </a:tr>
+              <a:tr h="1046988">
+                <a:tc>
+                  <a:txBody>
+                    <a:bodyPr/>
+                    <a:lstStyle/>
+                    <a:p>
+                      <a:pPr>
+                        <a:lnSpc>
+                          <a:spcPct val="115000"/>
+                        </a:lnSpc>
+                        <a:spcAft>
+                          <a:spcPts val="1000"/>
+                        </a:spcAft>
+                        <a:buNone/>
+                      </a:pPr>
+                      <a:r>
+                        <a:rPr lang="en-IN" sz="1100">
+                          <a:effectLst/>
+                        </a:rPr>
+                        <a:t>TRUNCATE</a:t>
+                      </a:r>
+                      <a:endParaRPr lang="en-IN" sz="1100">
+                        <a:effectLst/>
+                        <a:latin typeface="Calibri" panose="020F0502020204030204" pitchFamily="34" charset="0"/>
+                        <a:ea typeface="Calibri" panose="020F0502020204030204" pitchFamily="34" charset="0"/>
+                        <a:cs typeface="Times New Roman" panose="02020603050405020304" pitchFamily="18" charset="0"/>
+                      </a:endParaRPr>
+                    </a:p>
+                  </a:txBody>
+                  <a:tcPr marL="9525" marR="9525" marT="9525" marB="9525" anchor="ctr"/>
+                </a:tc>
+                <a:tc>
+                  <a:txBody>
+                    <a:bodyPr/>
+                    <a:lstStyle/>
+                    <a:p>
+                      <a:pPr>
+                        <a:lnSpc>
+                          <a:spcPct val="115000"/>
+                        </a:lnSpc>
+                        <a:spcAft>
+                          <a:spcPts val="1000"/>
+                        </a:spcAft>
+                        <a:buNone/>
+                      </a:pPr>
+                      <a:r>
+                        <a:rPr lang="en-IN" sz="1100">
+                          <a:effectLst/>
+                        </a:rPr>
+                        <a:t>Entire table</a:t>
+                      </a:r>
+                      <a:endParaRPr lang="en-IN" sz="1100">
+                        <a:effectLst/>
+                        <a:latin typeface="Calibri" panose="020F0502020204030204" pitchFamily="34" charset="0"/>
+                        <a:ea typeface="Calibri" panose="020F0502020204030204" pitchFamily="34" charset="0"/>
+                        <a:cs typeface="Times New Roman" panose="02020603050405020304" pitchFamily="18" charset="0"/>
+                      </a:endParaRPr>
+                    </a:p>
+                  </a:txBody>
+                  <a:tcPr marL="9525" marR="9525" marT="9525" marB="9525" anchor="ctr"/>
+                </a:tc>
+                <a:tc>
+                  <a:txBody>
+                    <a:bodyPr/>
+                    <a:lstStyle/>
+                    <a:p>
+                      <a:pPr>
+                        <a:lnSpc>
+                          <a:spcPct val="115000"/>
+                        </a:lnSpc>
+                        <a:spcAft>
+                          <a:spcPts val="1000"/>
+                        </a:spcAft>
+                        <a:buNone/>
+                      </a:pPr>
+                      <a:r>
+                        <a:rPr lang="en-IN" sz="1100">
+                          <a:effectLst/>
+                        </a:rPr>
+                        <a:t>Creates new empty version</a:t>
+                      </a:r>
+                      <a:endParaRPr lang="en-IN" sz="1100">
+                        <a:effectLst/>
+                        <a:latin typeface="Calibri" panose="020F0502020204030204" pitchFamily="34" charset="0"/>
+                        <a:ea typeface="Calibri" panose="020F0502020204030204" pitchFamily="34" charset="0"/>
+                        <a:cs typeface="Times New Roman" panose="02020603050405020304" pitchFamily="18" charset="0"/>
+                      </a:endParaRPr>
+                    </a:p>
+                  </a:txBody>
+                  <a:tcPr marL="9525" marR="9525" marT="9525" marB="9525" anchor="ctr"/>
+                </a:tc>
+                <a:tc>
+                  <a:txBody>
+                    <a:bodyPr/>
+                    <a:lstStyle/>
+                    <a:p>
+                      <a:pPr>
+                        <a:lnSpc>
+                          <a:spcPct val="115000"/>
+                        </a:lnSpc>
+                        <a:spcAft>
+                          <a:spcPts val="1000"/>
+                        </a:spcAft>
+                        <a:buNone/>
+                      </a:pPr>
+                      <a:r>
+                        <a:rPr lang="en-IN" sz="1100">
+                          <a:effectLst/>
+                        </a:rPr>
+                        <a:t>Yes (until VACUUM)</a:t>
+                      </a:r>
+                      <a:endParaRPr lang="en-IN" sz="1100">
+                        <a:effectLst/>
+                        <a:latin typeface="Calibri" panose="020F0502020204030204" pitchFamily="34" charset="0"/>
+                        <a:ea typeface="Calibri" panose="020F0502020204030204" pitchFamily="34" charset="0"/>
+                        <a:cs typeface="Times New Roman" panose="02020603050405020304" pitchFamily="18" charset="0"/>
+                      </a:endParaRPr>
+                    </a:p>
+                  </a:txBody>
+                  <a:tcPr marL="9525" marR="9525" marT="9525" marB="9525" anchor="ctr"/>
+                </a:tc>
+                <a:tc>
+                  <a:txBody>
+                    <a:bodyPr/>
+                    <a:lstStyle/>
+                    <a:p>
+                      <a:pPr>
+                        <a:lnSpc>
+                          <a:spcPct val="115000"/>
+                        </a:lnSpc>
+                        <a:spcAft>
+                          <a:spcPts val="1000"/>
+                        </a:spcAft>
+                        <a:buNone/>
+                      </a:pPr>
+                      <a:r>
+                        <a:rPr lang="en-IN" sz="1100">
+                          <a:effectLst/>
+                        </a:rPr>
+                        <a:t>Quickly empty table</a:t>
+                      </a:r>
+                      <a:endParaRPr lang="en-IN" sz="1100">
+                        <a:effectLst/>
+                        <a:latin typeface="Calibri" panose="020F0502020204030204" pitchFamily="34" charset="0"/>
+                        <a:ea typeface="Calibri" panose="020F0502020204030204" pitchFamily="34" charset="0"/>
+                        <a:cs typeface="Times New Roman" panose="02020603050405020304" pitchFamily="18" charset="0"/>
+                      </a:endParaRPr>
+                    </a:p>
+                  </a:txBody>
+                  <a:tcPr marL="9525" marR="9525" marT="9525" marB="9525" anchor="ctr"/>
+                </a:tc>
+                <a:extLst>
+                  <a:ext uri="{0D108BD9-81ED-4DB2-BD59-A6C34878D82A}">
+                    <a16:rowId xmlns:a16="http://schemas.microsoft.com/office/drawing/2014/main" val="3615650707"/>
+                  </a:ext>
+                </a:extLst>
+              </a:tr>
+              <a:tr h="1560503">
+                <a:tc>
+                  <a:txBody>
+                    <a:bodyPr/>
+                    <a:lstStyle/>
+                    <a:p>
+                      <a:pPr>
+                        <a:lnSpc>
+                          <a:spcPct val="115000"/>
+                        </a:lnSpc>
+                        <a:spcAft>
+                          <a:spcPts val="1000"/>
+                        </a:spcAft>
+                        <a:buNone/>
+                      </a:pPr>
+                      <a:r>
+                        <a:rPr lang="en-IN" sz="1100">
+                          <a:effectLst/>
+                        </a:rPr>
+                        <a:t>VACUUM</a:t>
+                      </a:r>
+                      <a:endParaRPr lang="en-IN" sz="1100">
+                        <a:effectLst/>
+                        <a:latin typeface="Calibri" panose="020F0502020204030204" pitchFamily="34" charset="0"/>
+                        <a:ea typeface="Calibri" panose="020F0502020204030204" pitchFamily="34" charset="0"/>
+                        <a:cs typeface="Times New Roman" panose="02020603050405020304" pitchFamily="18" charset="0"/>
+                      </a:endParaRPr>
+                    </a:p>
+                  </a:txBody>
+                  <a:tcPr marL="9525" marR="9525" marT="9525" marB="9525" anchor="ctr"/>
+                </a:tc>
+                <a:tc>
+                  <a:txBody>
+                    <a:bodyPr/>
+                    <a:lstStyle/>
+                    <a:p>
+                      <a:pPr>
+                        <a:lnSpc>
+                          <a:spcPct val="115000"/>
+                        </a:lnSpc>
+                        <a:spcAft>
+                          <a:spcPts val="1000"/>
+                        </a:spcAft>
+                        <a:buNone/>
+                      </a:pPr>
+                      <a:r>
+                        <a:rPr lang="en-IN" sz="1100">
+                          <a:effectLst/>
+                        </a:rPr>
+                        <a:t>Old unused files</a:t>
+                      </a:r>
+                      <a:endParaRPr lang="en-IN" sz="1100">
+                        <a:effectLst/>
+                        <a:latin typeface="Calibri" panose="020F0502020204030204" pitchFamily="34" charset="0"/>
+                        <a:ea typeface="Calibri" panose="020F0502020204030204" pitchFamily="34" charset="0"/>
+                        <a:cs typeface="Times New Roman" panose="02020603050405020304" pitchFamily="18" charset="0"/>
+                      </a:endParaRPr>
+                    </a:p>
+                  </a:txBody>
+                  <a:tcPr marL="9525" marR="9525" marT="9525" marB="9525" anchor="ctr"/>
+                </a:tc>
+                <a:tc>
+                  <a:txBody>
+                    <a:bodyPr/>
+                    <a:lstStyle/>
+                    <a:p>
+                      <a:pPr>
+                        <a:lnSpc>
+                          <a:spcPct val="115000"/>
+                        </a:lnSpc>
+                        <a:spcAft>
+                          <a:spcPts val="1000"/>
+                        </a:spcAft>
+                        <a:buNone/>
+                      </a:pPr>
+                      <a:r>
+                        <a:rPr lang="en-IN" sz="1100">
+                          <a:effectLst/>
+                        </a:rPr>
+                        <a:t>Permanently deletes obsolete files from storage</a:t>
+                      </a:r>
+                      <a:endParaRPr lang="en-IN" sz="1100">
+                        <a:effectLst/>
+                        <a:latin typeface="Calibri" panose="020F0502020204030204" pitchFamily="34" charset="0"/>
+                        <a:ea typeface="Calibri" panose="020F0502020204030204" pitchFamily="34" charset="0"/>
+                        <a:cs typeface="Times New Roman" panose="02020603050405020304" pitchFamily="18" charset="0"/>
+                      </a:endParaRPr>
+                    </a:p>
+                  </a:txBody>
+                  <a:tcPr marL="9525" marR="9525" marT="9525" marB="9525" anchor="ctr"/>
+                </a:tc>
+                <a:tc>
+                  <a:txBody>
+                    <a:bodyPr/>
+                    <a:lstStyle/>
+                    <a:p>
+                      <a:pPr>
+                        <a:lnSpc>
+                          <a:spcPct val="115000"/>
+                        </a:lnSpc>
+                        <a:spcAft>
+                          <a:spcPts val="1000"/>
+                        </a:spcAft>
+                        <a:buNone/>
+                      </a:pPr>
+                      <a:r>
+                        <a:rPr lang="en-IN" sz="1100">
+                          <a:effectLst/>
+                        </a:rPr>
+                        <a:t>No (files gone forever)</a:t>
+                      </a:r>
+                      <a:endParaRPr lang="en-IN" sz="1100">
+                        <a:effectLst/>
+                        <a:latin typeface="Calibri" panose="020F0502020204030204" pitchFamily="34" charset="0"/>
+                        <a:ea typeface="Calibri" panose="020F0502020204030204" pitchFamily="34" charset="0"/>
+                        <a:cs typeface="Times New Roman" panose="02020603050405020304" pitchFamily="18" charset="0"/>
+                      </a:endParaRPr>
+                    </a:p>
+                  </a:txBody>
+                  <a:tcPr marL="9525" marR="9525" marT="9525" marB="9525" anchor="ctr"/>
+                </a:tc>
+                <a:tc>
+                  <a:txBody>
+                    <a:bodyPr/>
+                    <a:lstStyle/>
+                    <a:p>
+                      <a:pPr>
+                        <a:lnSpc>
+                          <a:spcPct val="115000"/>
+                        </a:lnSpc>
+                        <a:spcAft>
+                          <a:spcPts val="1000"/>
+                        </a:spcAft>
+                        <a:buNone/>
+                      </a:pPr>
+                      <a:r>
+                        <a:rPr lang="en-IN" sz="1100" dirty="0">
+                          <a:effectLst/>
+                        </a:rPr>
+                        <a:t>Free up storage, manage retention</a:t>
+                      </a:r>
+                      <a:endParaRPr lang="en-IN" sz="1100" dirty="0">
+                        <a:effectLst/>
+                        <a:latin typeface="Calibri" panose="020F0502020204030204" pitchFamily="34" charset="0"/>
+                        <a:ea typeface="Calibri" panose="020F0502020204030204" pitchFamily="34" charset="0"/>
+                        <a:cs typeface="Times New Roman" panose="02020603050405020304" pitchFamily="18" charset="0"/>
+                      </a:endParaRPr>
+                    </a:p>
+                  </a:txBody>
+                  <a:tcPr marL="9525" marR="9525" marT="9525" marB="9525" anchor="ctr"/>
+                </a:tc>
+                <a:extLst>
+                  <a:ext uri="{0D108BD9-81ED-4DB2-BD59-A6C34878D82A}">
+                    <a16:rowId xmlns:a16="http://schemas.microsoft.com/office/drawing/2014/main" val="1231598896"/>
+                  </a:ext>
+                </a:extLst>
+              </a:tr>
+            </a:tbl>
+          </a:graphicData>
+        </a:graphic>
+      </p:graphicFrame>
+    </p:spTree>
+    <p:extLst>
+      <p:ext uri="{BB962C8B-B14F-4D97-AF65-F5344CB8AC3E}">
+        <p14:creationId xmlns:p14="http://schemas.microsoft.com/office/powerpoint/2010/main" val="1140720807"/>
+      </p:ext>
+    </p:extLst>
+  </p:cSld>
+  <p:clrMapOvr>
+    <a:masterClrMapping/>
+  </p:clrMapOvr>
+</p:sld>
+</file>
+
+<file path=ppt/slides/slide15.xml><?xml version="1.0" encoding="utf-8"?>
+<p:sld xmlns:a="http://schemas.openxmlformats.org/drawingml/2006/main" xmlns:r="http://schemas.openxmlformats.org/officeDocument/2006/relationships" xmlns:p="http://schemas.openxmlformats.org/presentationml/2006/main">
+  <p:cSld>
+    <p:spTree>
+      <p:nvGrpSpPr>
+        <p:cNvPr id="1" name=""/>
+        <p:cNvGrpSpPr/>
+        <p:nvPr/>
+      </p:nvGrpSpPr>
+      <p:grpSpPr>
+        <a:xfrm>
+          <a:off x="0" y="0"/>
+          <a:ext cx="0" cy="0"/>
+          <a:chOff x="0" y="0"/>
+          <a:chExt cx="0" cy="0"/>
+        </a:xfrm>
+      </p:grpSpPr>
+      <p:sp>
+        <p:nvSpPr>
+          <p:cNvPr id="2" name="Title 1">
+            <a:extLst>
+              <a:ext uri="{FF2B5EF4-FFF2-40B4-BE49-F238E27FC236}">
+                <a16:creationId xmlns:a16="http://schemas.microsoft.com/office/drawing/2014/main" id="{68A14100-F346-0D9D-0A9C-6514E3689AAA}"/>
+              </a:ext>
+            </a:extLst>
+          </p:cNvPr>
+          <p:cNvSpPr>
+            <a:spLocks noGrp="1"/>
+          </p:cNvSpPr>
+          <p:nvPr>
+            <p:ph type="title"/>
+          </p:nvPr>
+        </p:nvSpPr>
+        <p:spPr/>
+        <p:txBody>
+          <a:bodyPr/>
+          <a:lstStyle/>
+          <a:p>
+            <a:r>
+              <a:rPr lang="en-US" dirty="0"/>
+              <a:t>OPTIMIZE vs Index</a:t>
+            </a:r>
+            <a:endParaRPr lang="en-IN" dirty="0"/>
+          </a:p>
+        </p:txBody>
+      </p:sp>
+      <p:graphicFrame>
+        <p:nvGraphicFramePr>
+          <p:cNvPr id="4" name="Content Placeholder 3">
+            <a:extLst>
+              <a:ext uri="{FF2B5EF4-FFF2-40B4-BE49-F238E27FC236}">
+                <a16:creationId xmlns:a16="http://schemas.microsoft.com/office/drawing/2014/main" id="{CEEFB434-CF00-B347-C816-45759F1CABC5}"/>
+              </a:ext>
+            </a:extLst>
+          </p:cNvPr>
+          <p:cNvGraphicFramePr>
+            <a:graphicFrameLocks noGrp="1"/>
+          </p:cNvGraphicFramePr>
+          <p:nvPr>
+            <p:ph idx="1"/>
+            <p:extLst>
+              <p:ext uri="{D42A27DB-BD31-4B8C-83A1-F6EECF244321}">
+                <p14:modId xmlns:p14="http://schemas.microsoft.com/office/powerpoint/2010/main" val="1041306151"/>
+              </p:ext>
+            </p:extLst>
+          </p:nvPr>
+        </p:nvGraphicFramePr>
+        <p:xfrm>
+          <a:off x="768350" y="2286000"/>
+          <a:ext cx="7289799" cy="3986787"/>
+        </p:xfrm>
+        <a:graphic>
+          <a:graphicData uri="http://schemas.openxmlformats.org/drawingml/2006/table">
+            <a:tbl>
+              <a:tblPr firstRow="1" firstCol="1" bandRow="1">
+                <a:tableStyleId>{5C22544A-7EE6-4342-B048-85BDC9FD1C3A}</a:tableStyleId>
+              </a:tblPr>
+              <a:tblGrid>
+                <a:gridCol w="2429933">
+                  <a:extLst>
+                    <a:ext uri="{9D8B030D-6E8A-4147-A177-3AD203B41FA5}">
+                      <a16:colId xmlns:a16="http://schemas.microsoft.com/office/drawing/2014/main" val="1489789092"/>
+                    </a:ext>
+                  </a:extLst>
+                </a:gridCol>
+                <a:gridCol w="2429933">
+                  <a:extLst>
+                    <a:ext uri="{9D8B030D-6E8A-4147-A177-3AD203B41FA5}">
+                      <a16:colId xmlns:a16="http://schemas.microsoft.com/office/drawing/2014/main" val="3831403581"/>
+                    </a:ext>
+                  </a:extLst>
+                </a:gridCol>
+                <a:gridCol w="2429933">
+                  <a:extLst>
+                    <a:ext uri="{9D8B030D-6E8A-4147-A177-3AD203B41FA5}">
+                      <a16:colId xmlns:a16="http://schemas.microsoft.com/office/drawing/2014/main" val="881075349"/>
+                    </a:ext>
+                  </a:extLst>
+                </a:gridCol>
+              </a:tblGrid>
+              <a:tr h="500690">
+                <a:tc>
+                  <a:txBody>
+                    <a:bodyPr/>
+                    <a:lstStyle/>
+                    <a:p>
+                      <a:pPr>
+                        <a:lnSpc>
+                          <a:spcPct val="115000"/>
+                        </a:lnSpc>
+                        <a:spcAft>
+                          <a:spcPts val="1000"/>
+                        </a:spcAft>
+                        <a:buNone/>
+                      </a:pPr>
+                      <a:r>
+                        <a:rPr lang="en-IN" sz="1100">
+                          <a:effectLst/>
+                        </a:rPr>
+                        <a:t>Feature</a:t>
+                      </a:r>
+                      <a:endParaRPr lang="en-IN" sz="1100">
+                        <a:effectLst/>
+                        <a:latin typeface="Calibri" panose="020F0502020204030204" pitchFamily="34" charset="0"/>
+                        <a:ea typeface="Calibri" panose="020F0502020204030204" pitchFamily="34" charset="0"/>
+                        <a:cs typeface="Times New Roman" panose="02020603050405020304" pitchFamily="18" charset="0"/>
+                      </a:endParaRPr>
+                    </a:p>
+                  </a:txBody>
+                  <a:tcPr marL="9525" marR="9525" marT="9525" marB="9525" anchor="ctr"/>
+                </a:tc>
+                <a:tc>
+                  <a:txBody>
+                    <a:bodyPr/>
+                    <a:lstStyle/>
+                    <a:p>
+                      <a:pPr>
+                        <a:lnSpc>
+                          <a:spcPct val="115000"/>
+                        </a:lnSpc>
+                        <a:spcAft>
+                          <a:spcPts val="1000"/>
+                        </a:spcAft>
+                        <a:buNone/>
+                      </a:pPr>
+                      <a:r>
+                        <a:rPr lang="en-IN" sz="1100">
+                          <a:effectLst/>
+                        </a:rPr>
+                        <a:t>OPTIMIZE (Delta)</a:t>
+                      </a:r>
+                      <a:endParaRPr lang="en-IN" sz="1100">
+                        <a:effectLst/>
+                        <a:latin typeface="Calibri" panose="020F0502020204030204" pitchFamily="34" charset="0"/>
+                        <a:ea typeface="Calibri" panose="020F0502020204030204" pitchFamily="34" charset="0"/>
+                        <a:cs typeface="Times New Roman" panose="02020603050405020304" pitchFamily="18" charset="0"/>
+                      </a:endParaRPr>
+                    </a:p>
+                  </a:txBody>
+                  <a:tcPr marL="9525" marR="9525" marT="9525" marB="9525" anchor="ctr"/>
+                </a:tc>
+                <a:tc>
+                  <a:txBody>
+                    <a:bodyPr/>
+                    <a:lstStyle/>
+                    <a:p>
+                      <a:pPr>
+                        <a:lnSpc>
+                          <a:spcPct val="115000"/>
+                        </a:lnSpc>
+                        <a:spcAft>
+                          <a:spcPts val="1000"/>
+                        </a:spcAft>
+                        <a:buNone/>
+                      </a:pPr>
+                      <a:r>
+                        <a:rPr lang="en-IN" sz="1100">
+                          <a:effectLst/>
+                        </a:rPr>
+                        <a:t>INDEX (SQL DB)</a:t>
+                      </a:r>
+                      <a:endParaRPr lang="en-IN" sz="1100">
+                        <a:effectLst/>
+                        <a:latin typeface="Calibri" panose="020F0502020204030204" pitchFamily="34" charset="0"/>
+                        <a:ea typeface="Calibri" panose="020F0502020204030204" pitchFamily="34" charset="0"/>
+                        <a:cs typeface="Times New Roman" panose="02020603050405020304" pitchFamily="18" charset="0"/>
+                      </a:endParaRPr>
+                    </a:p>
+                  </a:txBody>
+                  <a:tcPr marL="9525" marR="9525" marT="9525" marB="9525" anchor="ctr"/>
+                </a:tc>
+                <a:extLst>
+                  <a:ext uri="{0D108BD9-81ED-4DB2-BD59-A6C34878D82A}">
+                    <a16:rowId xmlns:a16="http://schemas.microsoft.com/office/drawing/2014/main" val="2927019"/>
+                  </a:ext>
+                </a:extLst>
+              </a:tr>
+              <a:tr h="500690">
+                <a:tc>
+                  <a:txBody>
+                    <a:bodyPr/>
+                    <a:lstStyle/>
+                    <a:p>
+                      <a:pPr>
+                        <a:lnSpc>
+                          <a:spcPct val="115000"/>
+                        </a:lnSpc>
+                        <a:spcAft>
+                          <a:spcPts val="1000"/>
+                        </a:spcAft>
+                        <a:buNone/>
+                      </a:pPr>
+                      <a:r>
+                        <a:rPr lang="en-IN" sz="1100">
+                          <a:effectLst/>
+                        </a:rPr>
+                        <a:t>Scope</a:t>
+                      </a:r>
+                      <a:endParaRPr lang="en-IN" sz="1100">
+                        <a:effectLst/>
+                        <a:latin typeface="Calibri" panose="020F0502020204030204" pitchFamily="34" charset="0"/>
+                        <a:ea typeface="Calibri" panose="020F0502020204030204" pitchFamily="34" charset="0"/>
+                        <a:cs typeface="Times New Roman" panose="02020603050405020304" pitchFamily="18" charset="0"/>
+                      </a:endParaRPr>
+                    </a:p>
+                  </a:txBody>
+                  <a:tcPr marL="9525" marR="9525" marT="9525" marB="9525" anchor="ctr"/>
+                </a:tc>
+                <a:tc>
+                  <a:txBody>
+                    <a:bodyPr/>
+                    <a:lstStyle/>
+                    <a:p>
+                      <a:pPr>
+                        <a:lnSpc>
+                          <a:spcPct val="115000"/>
+                        </a:lnSpc>
+                        <a:spcAft>
+                          <a:spcPts val="1000"/>
+                        </a:spcAft>
+                        <a:buNone/>
+                      </a:pPr>
+                      <a:r>
+                        <a:rPr lang="en-IN" sz="1100">
+                          <a:effectLst/>
+                        </a:rPr>
+                        <a:t>File-level compaction + clustering</a:t>
+                      </a:r>
+                      <a:endParaRPr lang="en-IN" sz="1100">
+                        <a:effectLst/>
+                        <a:latin typeface="Calibri" panose="020F0502020204030204" pitchFamily="34" charset="0"/>
+                        <a:ea typeface="Calibri" panose="020F0502020204030204" pitchFamily="34" charset="0"/>
+                        <a:cs typeface="Times New Roman" panose="02020603050405020304" pitchFamily="18" charset="0"/>
+                      </a:endParaRPr>
+                    </a:p>
+                  </a:txBody>
+                  <a:tcPr marL="9525" marR="9525" marT="9525" marB="9525" anchor="ctr"/>
+                </a:tc>
+                <a:tc>
+                  <a:txBody>
+                    <a:bodyPr/>
+                    <a:lstStyle/>
+                    <a:p>
+                      <a:pPr>
+                        <a:lnSpc>
+                          <a:spcPct val="115000"/>
+                        </a:lnSpc>
+                        <a:spcAft>
+                          <a:spcPts val="1000"/>
+                        </a:spcAft>
+                        <a:buNone/>
+                      </a:pPr>
+                      <a:r>
+                        <a:rPr lang="en-IN" sz="1100">
+                          <a:effectLst/>
+                        </a:rPr>
+                        <a:t>Column-level data structure</a:t>
+                      </a:r>
+                      <a:endParaRPr lang="en-IN" sz="1100">
+                        <a:effectLst/>
+                        <a:latin typeface="Calibri" panose="020F0502020204030204" pitchFamily="34" charset="0"/>
+                        <a:ea typeface="Calibri" panose="020F0502020204030204" pitchFamily="34" charset="0"/>
+                        <a:cs typeface="Times New Roman" panose="02020603050405020304" pitchFamily="18" charset="0"/>
+                      </a:endParaRPr>
+                    </a:p>
+                  </a:txBody>
+                  <a:tcPr marL="9525" marR="9525" marT="9525" marB="9525" anchor="ctr"/>
+                </a:tc>
+                <a:extLst>
+                  <a:ext uri="{0D108BD9-81ED-4DB2-BD59-A6C34878D82A}">
+                    <a16:rowId xmlns:a16="http://schemas.microsoft.com/office/drawing/2014/main" val="4284166357"/>
+                  </a:ext>
+                </a:extLst>
+              </a:tr>
+              <a:tr h="500690">
+                <a:tc>
+                  <a:txBody>
+                    <a:bodyPr/>
+                    <a:lstStyle/>
+                    <a:p>
+                      <a:pPr>
+                        <a:lnSpc>
+                          <a:spcPct val="115000"/>
+                        </a:lnSpc>
+                        <a:spcAft>
+                          <a:spcPts val="1000"/>
+                        </a:spcAft>
+                        <a:buNone/>
+                      </a:pPr>
+                      <a:r>
+                        <a:rPr lang="en-IN" sz="1100">
+                          <a:effectLst/>
+                        </a:rPr>
+                        <a:t>How it works</a:t>
+                      </a:r>
+                      <a:endParaRPr lang="en-IN" sz="1100">
+                        <a:effectLst/>
+                        <a:latin typeface="Calibri" panose="020F0502020204030204" pitchFamily="34" charset="0"/>
+                        <a:ea typeface="Calibri" panose="020F0502020204030204" pitchFamily="34" charset="0"/>
+                        <a:cs typeface="Times New Roman" panose="02020603050405020304" pitchFamily="18" charset="0"/>
+                      </a:endParaRPr>
+                    </a:p>
+                  </a:txBody>
+                  <a:tcPr marL="9525" marR="9525" marT="9525" marB="9525" anchor="ctr"/>
+                </a:tc>
+                <a:tc>
+                  <a:txBody>
+                    <a:bodyPr/>
+                    <a:lstStyle/>
+                    <a:p>
+                      <a:pPr>
+                        <a:lnSpc>
+                          <a:spcPct val="115000"/>
+                        </a:lnSpc>
+                        <a:spcAft>
+                          <a:spcPts val="1000"/>
+                        </a:spcAft>
+                        <a:buNone/>
+                      </a:pPr>
+                      <a:r>
+                        <a:rPr lang="en-IN" sz="1100">
+                          <a:effectLst/>
+                        </a:rPr>
+                        <a:t>Rewrites Parquet files, co-locates rows</a:t>
+                      </a:r>
+                      <a:endParaRPr lang="en-IN" sz="1100">
+                        <a:effectLst/>
+                        <a:latin typeface="Calibri" panose="020F0502020204030204" pitchFamily="34" charset="0"/>
+                        <a:ea typeface="Calibri" panose="020F0502020204030204" pitchFamily="34" charset="0"/>
+                        <a:cs typeface="Times New Roman" panose="02020603050405020304" pitchFamily="18" charset="0"/>
+                      </a:endParaRPr>
+                    </a:p>
+                  </a:txBody>
+                  <a:tcPr marL="9525" marR="9525" marT="9525" marB="9525" anchor="ctr"/>
+                </a:tc>
+                <a:tc>
+                  <a:txBody>
+                    <a:bodyPr/>
+                    <a:lstStyle/>
+                    <a:p>
+                      <a:pPr>
+                        <a:lnSpc>
+                          <a:spcPct val="115000"/>
+                        </a:lnSpc>
+                        <a:spcAft>
+                          <a:spcPts val="1000"/>
+                        </a:spcAft>
+                        <a:buNone/>
+                      </a:pPr>
+                      <a:r>
+                        <a:rPr lang="en-IN" sz="1100">
+                          <a:effectLst/>
+                        </a:rPr>
+                        <a:t>Creates separate lookup structure</a:t>
+                      </a:r>
+                      <a:endParaRPr lang="en-IN" sz="1100">
+                        <a:effectLst/>
+                        <a:latin typeface="Calibri" panose="020F0502020204030204" pitchFamily="34" charset="0"/>
+                        <a:ea typeface="Calibri" panose="020F0502020204030204" pitchFamily="34" charset="0"/>
+                        <a:cs typeface="Times New Roman" panose="02020603050405020304" pitchFamily="18" charset="0"/>
+                      </a:endParaRPr>
+                    </a:p>
+                  </a:txBody>
+                  <a:tcPr marL="9525" marR="9525" marT="9525" marB="9525" anchor="ctr"/>
+                </a:tc>
+                <a:extLst>
+                  <a:ext uri="{0D108BD9-81ED-4DB2-BD59-A6C34878D82A}">
+                    <a16:rowId xmlns:a16="http://schemas.microsoft.com/office/drawing/2014/main" val="1216518785"/>
+                  </a:ext>
+                </a:extLst>
+              </a:tr>
+              <a:tr h="500690">
+                <a:tc>
+                  <a:txBody>
+                    <a:bodyPr/>
+                    <a:lstStyle/>
+                    <a:p>
+                      <a:pPr>
+                        <a:lnSpc>
+                          <a:spcPct val="115000"/>
+                        </a:lnSpc>
+                        <a:spcAft>
+                          <a:spcPts val="1000"/>
+                        </a:spcAft>
+                        <a:buNone/>
+                      </a:pPr>
+                      <a:r>
+                        <a:rPr lang="en-IN" sz="1100" dirty="0">
+                          <a:effectLst/>
+                        </a:rPr>
+                        <a:t>Storage Impact</a:t>
+                      </a:r>
+                      <a:endParaRPr lang="en-IN" sz="1100" dirty="0">
+                        <a:effectLst/>
+                        <a:latin typeface="Calibri" panose="020F0502020204030204" pitchFamily="34" charset="0"/>
+                        <a:ea typeface="Calibri" panose="020F0502020204030204" pitchFamily="34" charset="0"/>
+                        <a:cs typeface="Times New Roman" panose="02020603050405020304" pitchFamily="18" charset="0"/>
+                      </a:endParaRPr>
+                    </a:p>
+                  </a:txBody>
+                  <a:tcPr marL="9525" marR="9525" marT="9525" marB="9525" anchor="ctr"/>
+                </a:tc>
+                <a:tc>
+                  <a:txBody>
+                    <a:bodyPr/>
+                    <a:lstStyle/>
+                    <a:p>
+                      <a:pPr>
+                        <a:lnSpc>
+                          <a:spcPct val="115000"/>
+                        </a:lnSpc>
+                        <a:spcAft>
+                          <a:spcPts val="1000"/>
+                        </a:spcAft>
+                        <a:buNone/>
+                      </a:pPr>
+                      <a:r>
+                        <a:rPr lang="en-IN" sz="1100">
+                          <a:effectLst/>
+                        </a:rPr>
+                        <a:t>Rewrites data files (same storage format)</a:t>
+                      </a:r>
+                      <a:endParaRPr lang="en-IN" sz="1100">
+                        <a:effectLst/>
+                        <a:latin typeface="Calibri" panose="020F0502020204030204" pitchFamily="34" charset="0"/>
+                        <a:ea typeface="Calibri" panose="020F0502020204030204" pitchFamily="34" charset="0"/>
+                        <a:cs typeface="Times New Roman" panose="02020603050405020304" pitchFamily="18" charset="0"/>
+                      </a:endParaRPr>
+                    </a:p>
+                  </a:txBody>
+                  <a:tcPr marL="9525" marR="9525" marT="9525" marB="9525" anchor="ctr"/>
+                </a:tc>
+                <a:tc>
+                  <a:txBody>
+                    <a:bodyPr/>
+                    <a:lstStyle/>
+                    <a:p>
+                      <a:pPr>
+                        <a:lnSpc>
+                          <a:spcPct val="115000"/>
+                        </a:lnSpc>
+                        <a:spcAft>
+                          <a:spcPts val="1000"/>
+                        </a:spcAft>
+                        <a:buNone/>
+                      </a:pPr>
+                      <a:r>
+                        <a:rPr lang="en-IN" sz="1100">
+                          <a:effectLst/>
+                        </a:rPr>
+                        <a:t>Extra storage used for index structure</a:t>
+                      </a:r>
+                      <a:endParaRPr lang="en-IN" sz="1100">
+                        <a:effectLst/>
+                        <a:latin typeface="Calibri" panose="020F0502020204030204" pitchFamily="34" charset="0"/>
+                        <a:ea typeface="Calibri" panose="020F0502020204030204" pitchFamily="34" charset="0"/>
+                        <a:cs typeface="Times New Roman" panose="02020603050405020304" pitchFamily="18" charset="0"/>
+                      </a:endParaRPr>
+                    </a:p>
+                  </a:txBody>
+                  <a:tcPr marL="9525" marR="9525" marT="9525" marB="9525" anchor="ctr"/>
+                </a:tc>
+                <a:extLst>
+                  <a:ext uri="{0D108BD9-81ED-4DB2-BD59-A6C34878D82A}">
+                    <a16:rowId xmlns:a16="http://schemas.microsoft.com/office/drawing/2014/main" val="1298588501"/>
+                  </a:ext>
+                </a:extLst>
+              </a:tr>
+              <a:tr h="982647">
+                <a:tc>
+                  <a:txBody>
+                    <a:bodyPr/>
+                    <a:lstStyle/>
+                    <a:p>
+                      <a:pPr>
+                        <a:lnSpc>
+                          <a:spcPct val="115000"/>
+                        </a:lnSpc>
+                        <a:spcAft>
+                          <a:spcPts val="1000"/>
+                        </a:spcAft>
+                        <a:buNone/>
+                      </a:pPr>
+                      <a:r>
+                        <a:rPr lang="en-IN" sz="1100">
+                          <a:effectLst/>
+                        </a:rPr>
+                        <a:t>Performance</a:t>
+                      </a:r>
+                      <a:endParaRPr lang="en-IN" sz="1100">
+                        <a:effectLst/>
+                        <a:latin typeface="Calibri" panose="020F0502020204030204" pitchFamily="34" charset="0"/>
+                        <a:ea typeface="Calibri" panose="020F0502020204030204" pitchFamily="34" charset="0"/>
+                        <a:cs typeface="Times New Roman" panose="02020603050405020304" pitchFamily="18" charset="0"/>
+                      </a:endParaRPr>
+                    </a:p>
+                  </a:txBody>
+                  <a:tcPr marL="9525" marR="9525" marT="9525" marB="9525" anchor="ctr"/>
+                </a:tc>
+                <a:tc>
+                  <a:txBody>
+                    <a:bodyPr/>
+                    <a:lstStyle/>
+                    <a:p>
+                      <a:pPr>
+                        <a:lnSpc>
+                          <a:spcPct val="115000"/>
+                        </a:lnSpc>
+                        <a:spcAft>
+                          <a:spcPts val="1000"/>
+                        </a:spcAft>
+                        <a:buNone/>
+                      </a:pPr>
+                      <a:r>
+                        <a:rPr lang="en-IN" sz="1100">
+                          <a:effectLst/>
+                        </a:rPr>
+                        <a:t>Reduces number of files scanned + data skipping</a:t>
+                      </a:r>
+                      <a:endParaRPr lang="en-IN" sz="1100">
+                        <a:effectLst/>
+                        <a:latin typeface="Calibri" panose="020F0502020204030204" pitchFamily="34" charset="0"/>
+                        <a:ea typeface="Calibri" panose="020F0502020204030204" pitchFamily="34" charset="0"/>
+                        <a:cs typeface="Times New Roman" panose="02020603050405020304" pitchFamily="18" charset="0"/>
+                      </a:endParaRPr>
+                    </a:p>
+                  </a:txBody>
+                  <a:tcPr marL="9525" marR="9525" marT="9525" marB="9525" anchor="ctr"/>
+                </a:tc>
+                <a:tc>
+                  <a:txBody>
+                    <a:bodyPr/>
+                    <a:lstStyle/>
+                    <a:p>
+                      <a:pPr>
+                        <a:lnSpc>
+                          <a:spcPct val="115000"/>
+                        </a:lnSpc>
+                        <a:spcAft>
+                          <a:spcPts val="1000"/>
+                        </a:spcAft>
+                        <a:buNone/>
+                      </a:pPr>
+                      <a:r>
+                        <a:rPr lang="en-IN" sz="1100">
+                          <a:effectLst/>
+                        </a:rPr>
+                        <a:t>Allows direct row lookups, avoids scanning</a:t>
+                      </a:r>
+                      <a:endParaRPr lang="en-IN" sz="1100">
+                        <a:effectLst/>
+                        <a:latin typeface="Calibri" panose="020F0502020204030204" pitchFamily="34" charset="0"/>
+                        <a:ea typeface="Calibri" panose="020F0502020204030204" pitchFamily="34" charset="0"/>
+                        <a:cs typeface="Times New Roman" panose="02020603050405020304" pitchFamily="18" charset="0"/>
+                      </a:endParaRPr>
+                    </a:p>
+                  </a:txBody>
+                  <a:tcPr marL="9525" marR="9525" marT="9525" marB="9525" anchor="ctr"/>
+                </a:tc>
+                <a:extLst>
+                  <a:ext uri="{0D108BD9-81ED-4DB2-BD59-A6C34878D82A}">
+                    <a16:rowId xmlns:a16="http://schemas.microsoft.com/office/drawing/2014/main" val="2454087723"/>
+                  </a:ext>
+                </a:extLst>
+              </a:tr>
+              <a:tr h="500690">
+                <a:tc>
+                  <a:txBody>
+                    <a:bodyPr/>
+                    <a:lstStyle/>
+                    <a:p>
+                      <a:pPr>
+                        <a:lnSpc>
+                          <a:spcPct val="115000"/>
+                        </a:lnSpc>
+                        <a:spcAft>
+                          <a:spcPts val="1000"/>
+                        </a:spcAft>
+                        <a:buNone/>
+                      </a:pPr>
+                      <a:r>
+                        <a:rPr lang="en-IN" sz="1100">
+                          <a:effectLst/>
+                        </a:rPr>
+                        <a:t>Use Case</a:t>
+                      </a:r>
+                      <a:endParaRPr lang="en-IN" sz="1100">
+                        <a:effectLst/>
+                        <a:latin typeface="Calibri" panose="020F0502020204030204" pitchFamily="34" charset="0"/>
+                        <a:ea typeface="Calibri" panose="020F0502020204030204" pitchFamily="34" charset="0"/>
+                        <a:cs typeface="Times New Roman" panose="02020603050405020304" pitchFamily="18" charset="0"/>
+                      </a:endParaRPr>
+                    </a:p>
+                  </a:txBody>
+                  <a:tcPr marL="9525" marR="9525" marT="9525" marB="9525" anchor="ctr"/>
+                </a:tc>
+                <a:tc>
+                  <a:txBody>
+                    <a:bodyPr/>
+                    <a:lstStyle/>
+                    <a:p>
+                      <a:pPr>
+                        <a:lnSpc>
+                          <a:spcPct val="115000"/>
+                        </a:lnSpc>
+                        <a:spcAft>
+                          <a:spcPts val="1000"/>
+                        </a:spcAft>
+                        <a:buNone/>
+                      </a:pPr>
+                      <a:r>
+                        <a:rPr lang="en-IN" sz="1100">
+                          <a:effectLst/>
+                        </a:rPr>
+                        <a:t>Big data lakes (Spark, Delta)</a:t>
+                      </a:r>
+                      <a:endParaRPr lang="en-IN" sz="1100">
+                        <a:effectLst/>
+                        <a:latin typeface="Calibri" panose="020F0502020204030204" pitchFamily="34" charset="0"/>
+                        <a:ea typeface="Calibri" panose="020F0502020204030204" pitchFamily="34" charset="0"/>
+                        <a:cs typeface="Times New Roman" panose="02020603050405020304" pitchFamily="18" charset="0"/>
+                      </a:endParaRPr>
+                    </a:p>
+                  </a:txBody>
+                  <a:tcPr marL="9525" marR="9525" marT="9525" marB="9525" anchor="ctr"/>
+                </a:tc>
+                <a:tc>
+                  <a:txBody>
+                    <a:bodyPr/>
+                    <a:lstStyle/>
+                    <a:p>
+                      <a:pPr>
+                        <a:lnSpc>
+                          <a:spcPct val="115000"/>
+                        </a:lnSpc>
+                        <a:spcAft>
+                          <a:spcPts val="1000"/>
+                        </a:spcAft>
+                        <a:buNone/>
+                      </a:pPr>
+                      <a:r>
+                        <a:rPr lang="en-IN" sz="1100">
+                          <a:effectLst/>
+                        </a:rPr>
+                        <a:t>OLTP/OLAP relational databases</a:t>
+                      </a:r>
+                      <a:endParaRPr lang="en-IN" sz="1100">
+                        <a:effectLst/>
+                        <a:latin typeface="Calibri" panose="020F0502020204030204" pitchFamily="34" charset="0"/>
+                        <a:ea typeface="Calibri" panose="020F0502020204030204" pitchFamily="34" charset="0"/>
+                        <a:cs typeface="Times New Roman" panose="02020603050405020304" pitchFamily="18" charset="0"/>
+                      </a:endParaRPr>
+                    </a:p>
+                  </a:txBody>
+                  <a:tcPr marL="9525" marR="9525" marT="9525" marB="9525" anchor="ctr"/>
+                </a:tc>
+                <a:extLst>
+                  <a:ext uri="{0D108BD9-81ED-4DB2-BD59-A6C34878D82A}">
+                    <a16:rowId xmlns:a16="http://schemas.microsoft.com/office/drawing/2014/main" val="4050557689"/>
+                  </a:ext>
+                </a:extLst>
+              </a:tr>
+              <a:tr h="500690">
+                <a:tc>
+                  <a:txBody>
+                    <a:bodyPr/>
+                    <a:lstStyle/>
+                    <a:p>
+                      <a:pPr>
+                        <a:lnSpc>
+                          <a:spcPct val="115000"/>
+                        </a:lnSpc>
+                        <a:spcAft>
+                          <a:spcPts val="1000"/>
+                        </a:spcAft>
+                        <a:buNone/>
+                      </a:pPr>
+                      <a:r>
+                        <a:rPr lang="en-IN" sz="1100">
+                          <a:effectLst/>
+                        </a:rPr>
+                        <a:t>Maintenance</a:t>
+                      </a:r>
+                      <a:endParaRPr lang="en-IN" sz="1100">
+                        <a:effectLst/>
+                        <a:latin typeface="Calibri" panose="020F0502020204030204" pitchFamily="34" charset="0"/>
+                        <a:ea typeface="Calibri" panose="020F0502020204030204" pitchFamily="34" charset="0"/>
+                        <a:cs typeface="Times New Roman" panose="02020603050405020304" pitchFamily="18" charset="0"/>
+                      </a:endParaRPr>
+                    </a:p>
+                  </a:txBody>
+                  <a:tcPr marL="9525" marR="9525" marT="9525" marB="9525" anchor="ctr"/>
+                </a:tc>
+                <a:tc>
+                  <a:txBody>
+                    <a:bodyPr/>
+                    <a:lstStyle/>
+                    <a:p>
+                      <a:pPr>
+                        <a:lnSpc>
+                          <a:spcPct val="115000"/>
+                        </a:lnSpc>
+                        <a:spcAft>
+                          <a:spcPts val="1000"/>
+                        </a:spcAft>
+                        <a:buNone/>
+                      </a:pPr>
+                      <a:r>
+                        <a:rPr lang="en-IN" sz="1100">
+                          <a:effectLst/>
+                        </a:rPr>
+                        <a:t>Needs periodic re-run as data lands</a:t>
+                      </a:r>
+                      <a:endParaRPr lang="en-IN" sz="1100">
+                        <a:effectLst/>
+                        <a:latin typeface="Calibri" panose="020F0502020204030204" pitchFamily="34" charset="0"/>
+                        <a:ea typeface="Calibri" panose="020F0502020204030204" pitchFamily="34" charset="0"/>
+                        <a:cs typeface="Times New Roman" panose="02020603050405020304" pitchFamily="18" charset="0"/>
+                      </a:endParaRPr>
+                    </a:p>
+                  </a:txBody>
+                  <a:tcPr marL="9525" marR="9525" marT="9525" marB="9525" anchor="ctr"/>
+                </a:tc>
+                <a:tc>
+                  <a:txBody>
+                    <a:bodyPr/>
+                    <a:lstStyle/>
+                    <a:p>
+                      <a:pPr>
+                        <a:lnSpc>
+                          <a:spcPct val="115000"/>
+                        </a:lnSpc>
+                        <a:spcAft>
+                          <a:spcPts val="1000"/>
+                        </a:spcAft>
+                        <a:buNone/>
+                      </a:pPr>
+                      <a:r>
+                        <a:rPr lang="en-IN" sz="1100" dirty="0">
+                          <a:effectLst/>
+                        </a:rPr>
+                        <a:t>Auto-updated as rows change</a:t>
+                      </a:r>
+                      <a:endParaRPr lang="en-IN" sz="1100" dirty="0">
+                        <a:effectLst/>
+                        <a:latin typeface="Calibri" panose="020F0502020204030204" pitchFamily="34" charset="0"/>
+                        <a:ea typeface="Calibri" panose="020F0502020204030204" pitchFamily="34" charset="0"/>
+                        <a:cs typeface="Times New Roman" panose="02020603050405020304" pitchFamily="18" charset="0"/>
+                      </a:endParaRPr>
+                    </a:p>
+                  </a:txBody>
+                  <a:tcPr marL="9525" marR="9525" marT="9525" marB="9525" anchor="ctr"/>
+                </a:tc>
+                <a:extLst>
+                  <a:ext uri="{0D108BD9-81ED-4DB2-BD59-A6C34878D82A}">
+                    <a16:rowId xmlns:a16="http://schemas.microsoft.com/office/drawing/2014/main" val="2354609100"/>
+                  </a:ext>
+                </a:extLst>
+              </a:tr>
+            </a:tbl>
+          </a:graphicData>
+        </a:graphic>
+      </p:graphicFrame>
+    </p:spTree>
+    <p:extLst>
+      <p:ext uri="{BB962C8B-B14F-4D97-AF65-F5344CB8AC3E}">
+        <p14:creationId xmlns:p14="http://schemas.microsoft.com/office/powerpoint/2010/main" val="341612898"/>
+      </p:ext>
+    </p:extLst>
   </p:cSld>
   <p:clrMapOvr>
     <a:masterClrMapping/>
@@ -16492,27 +20301,45 @@
           <a:bodyPr/>
           <a:lstStyle/>
           <a:p>
-            <a:endParaRPr/>
+            <a:endParaRPr dirty="0"/>
           </a:p>
           <a:p>
             <a:r>
+              <a:rPr dirty="0"/>
               <a:t>What is Delta Lake?</a:t>
             </a:r>
           </a:p>
           <a:p>
             <a:r>
+              <a:rPr dirty="0"/>
               <a:t>Open-source storage layer on top of data lakes</a:t>
             </a:r>
           </a:p>
           <a:p>
             <a:r>
+              <a:rPr dirty="0"/>
               <a:t>Brings reliability to data lakes</a:t>
             </a:r>
           </a:p>
           <a:p>
             <a:r>
+              <a:rPr dirty="0"/>
               <a:t>Built on Apache Parquet format</a:t>
             </a:r>
+            <a:endParaRPr lang="en-US" dirty="0"/>
+          </a:p>
+          <a:p>
+            <a:endParaRPr lang="en-IN" dirty="0"/>
+          </a:p>
+          <a:p>
+            <a:r>
+              <a:rPr lang="en-IN" b="1" dirty="0"/>
+              <a:t>Delta Lake = Parquet + Transaction Log + ACID Guarantees + Streaming + Governance</a:t>
+            </a:r>
+            <a:endParaRPr lang="en-IN" dirty="0"/>
+          </a:p>
+          <a:p>
+            <a:endParaRPr dirty="0"/>
           </a:p>
         </p:txBody>
       </p:sp>
@@ -16525,6 +20352,94 @@
 </file>
 
 <file path=ppt/slides/slide3.xml><?xml version="1.0" encoding="utf-8"?>
+<p:sld xmlns:a="http://schemas.openxmlformats.org/drawingml/2006/main" xmlns:r="http://schemas.openxmlformats.org/officeDocument/2006/relationships" xmlns:p="http://schemas.openxmlformats.org/presentationml/2006/main">
+  <p:cSld>
+    <p:spTree>
+      <p:nvGrpSpPr>
+        <p:cNvPr id="1" name=""/>
+        <p:cNvGrpSpPr/>
+        <p:nvPr/>
+      </p:nvGrpSpPr>
+      <p:grpSpPr>
+        <a:xfrm>
+          <a:off x="0" y="0"/>
+          <a:ext cx="0" cy="0"/>
+          <a:chOff x="0" y="0"/>
+          <a:chExt cx="0" cy="0"/>
+        </a:xfrm>
+      </p:grpSpPr>
+      <p:sp>
+        <p:nvSpPr>
+          <p:cNvPr id="2" name="Title 1">
+            <a:extLst>
+              <a:ext uri="{FF2B5EF4-FFF2-40B4-BE49-F238E27FC236}">
+                <a16:creationId xmlns:a16="http://schemas.microsoft.com/office/drawing/2014/main" id="{13273EBE-92FA-1519-CF2B-75E46BAC5CB0}"/>
+              </a:ext>
+            </a:extLst>
+          </p:cNvPr>
+          <p:cNvSpPr>
+            <a:spLocks noGrp="1"/>
+          </p:cNvSpPr>
+          <p:nvPr>
+            <p:ph type="title"/>
+          </p:nvPr>
+        </p:nvSpPr>
+        <p:spPr/>
+        <p:txBody>
+          <a:bodyPr/>
+          <a:lstStyle/>
+          <a:p>
+            <a:r>
+              <a:rPr lang="en-US" dirty="0"/>
+              <a:t>DELTA LAKE</a:t>
+            </a:r>
+            <a:endParaRPr lang="en-IN" dirty="0"/>
+          </a:p>
+        </p:txBody>
+      </p:sp>
+      <p:pic>
+        <p:nvPicPr>
+          <p:cNvPr id="5" name="Content Placeholder 4">
+            <a:extLst>
+              <a:ext uri="{FF2B5EF4-FFF2-40B4-BE49-F238E27FC236}">
+                <a16:creationId xmlns:a16="http://schemas.microsoft.com/office/drawing/2014/main" id="{39B4C3B4-4942-6C82-0351-3895ED3F7E19}"/>
+              </a:ext>
+            </a:extLst>
+          </p:cNvPr>
+          <p:cNvPicPr>
+            <a:picLocks noGrp="1" noChangeAspect="1"/>
+          </p:cNvPicPr>
+          <p:nvPr>
+            <p:ph idx="1"/>
+          </p:nvPr>
+        </p:nvPicPr>
+        <p:blipFill>
+          <a:blip r:embed="rId2"/>
+          <a:stretch>
+            <a:fillRect/>
+          </a:stretch>
+        </p:blipFill>
+        <p:spPr>
+          <a:xfrm>
+            <a:off x="1396206" y="2286000"/>
+            <a:ext cx="6034087" cy="4022725"/>
+          </a:xfrm>
+        </p:spPr>
+      </p:pic>
+    </p:spTree>
+    <p:extLst>
+      <p:ext uri="{BB962C8B-B14F-4D97-AF65-F5344CB8AC3E}">
+        <p14:creationId xmlns:p14="http://schemas.microsoft.com/office/powerpoint/2010/main" val="700043949"/>
+      </p:ext>
+    </p:extLst>
+  </p:cSld>
+  <p:clrMapOvr>
+    <a:masterClrMapping/>
+  </p:clrMapOvr>
+</p:sld>
+</file>
+
+<file path=ppt/slides/slide4.xml><?xml version="1.0" encoding="utf-8"?>
 <p:sld xmlns:a="http://schemas.openxmlformats.org/drawingml/2006/main" xmlns:r="http://schemas.openxmlformats.org/officeDocument/2006/relationships" xmlns:p="http://schemas.openxmlformats.org/presentationml/2006/main">
   <p:cSld>
     <p:spTree>
@@ -16563,12 +20478,8 @@
           <a:lstStyle/>
           <a:p>
             <a:r>
-              <a:rPr lang="en-US" dirty="0" err="1"/>
-              <a:t>LakeHouse</a:t>
-            </a:r>
-            <a:r>
               <a:rPr lang="en-US" dirty="0"/>
-              <a:t> vs Delte lake</a:t>
+              <a:t>Lakehouse vs Delte lake</a:t>
             </a:r>
             <a:endParaRPr lang="en-IN" dirty="0"/>
           </a:p>
@@ -17227,7 +21138,7 @@
 </p:sld>
 </file>
 
-<file path=ppt/slides/slide4.xml><?xml version="1.0" encoding="utf-8"?>
+<file path=ppt/slides/slide5.xml><?xml version="1.0" encoding="utf-8"?>
 <p:sld xmlns:a="http://schemas.openxmlformats.org/drawingml/2006/main" xmlns:r="http://schemas.openxmlformats.org/officeDocument/2006/relationships" xmlns:p="http://schemas.openxmlformats.org/presentationml/2006/main">
   <p:cSld>
     <p:spTree>
@@ -17282,22 +21193,91 @@
           <a:bodyPr/>
           <a:lstStyle/>
           <a:p>
-            <a:endParaRPr/>
+            <a:endParaRPr dirty="0"/>
           </a:p>
           <a:p>
             <a:r>
+              <a:rPr dirty="0"/>
               <a:t>ACID Transactions: Ensures reliability and consistency</a:t>
+            </a:r>
+            <a:endParaRPr lang="en-US" dirty="0"/>
+          </a:p>
+          <a:p>
+            <a:pPr lvl="1"/>
+            <a:r>
+              <a:rPr lang="en-US" dirty="0"/>
+              <a:t>Bank transfers (money isn’t lost even if power fails mid-transfer).</a:t>
+            </a:r>
+            <a:endParaRPr dirty="0"/>
+          </a:p>
+          <a:p>
+            <a:r>
+              <a:rPr dirty="0"/>
+              <a:t>Schema Enforcement: Prevents bad/mismatched data</a:t>
+            </a:r>
+            <a:endParaRPr lang="en-US" dirty="0"/>
+          </a:p>
+          <a:p>
+            <a:pPr lvl="1"/>
+            <a:r>
+              <a:rPr lang="en-US" dirty="0"/>
+              <a:t>Guard at the gate stopping invalid forms.</a:t>
+            </a:r>
+            <a:endParaRPr dirty="0"/>
+          </a:p>
+          <a:p>
+            <a:r>
+              <a:rPr dirty="0"/>
+              <a:t>Time Travel: Query older versions of data</a:t>
+            </a:r>
+            <a:endParaRPr lang="en-US" dirty="0"/>
+          </a:p>
+          <a:p>
+            <a:pPr lvl="1"/>
+            <a:r>
+              <a:rPr lang="en-US" dirty="0"/>
+              <a:t>CCTV playback to see what happened yesterday.</a:t>
             </a:r>
           </a:p>
           <a:p>
+            <a:pPr lvl="1"/>
+            <a:endParaRPr lang="en-US" dirty="0"/>
+          </a:p>
+          <a:p>
+            <a:pPr lvl="1"/>
             <a:r>
-              <a:t>Schema Enforcement: Prevents bad/mismatched data</a:t>
+              <a:rPr lang="en-US" dirty="0"/>
+              <a:t>Note:-</a:t>
             </a:r>
           </a:p>
           <a:p>
+            <a:pPr marL="128016" lvl="1" indent="0">
+              <a:buNone/>
+            </a:pPr>
             <a:r>
-              <a:t>Time Travel: Query older versions of data</a:t>
+              <a:rPr lang="en-US" dirty="0"/>
+              <a:t>These features turn a </a:t>
             </a:r>
+            <a:r>
+              <a:rPr lang="en-US" b="1" dirty="0"/>
+              <a:t>raw data lake</a:t>
+            </a:r>
+            <a:r>
+              <a:rPr lang="en-US" dirty="0"/>
+              <a:t> into a </a:t>
+            </a:r>
+            <a:r>
+              <a:rPr lang="en-US" b="1" dirty="0"/>
+              <a:t>Lakehouse with database-like reliability</a:t>
+            </a:r>
+            <a:r>
+              <a:rPr lang="en-US" dirty="0"/>
+              <a:t>.</a:t>
+            </a:r>
+          </a:p>
+          <a:p>
+            <a:pPr lvl="1"/>
+            <a:endParaRPr dirty="0"/>
           </a:p>
         </p:txBody>
       </p:sp>
@@ -17309,7 +21289,7 @@
 </p:sld>
 </file>
 
-<file path=ppt/slides/slide5.xml><?xml version="1.0" encoding="utf-8"?>
+<file path=ppt/slides/slide6.xml><?xml version="1.0" encoding="utf-8"?>
 <p:sld xmlns:a="http://schemas.openxmlformats.org/drawingml/2006/main" xmlns:r="http://schemas.openxmlformats.org/officeDocument/2006/relationships" xmlns:p="http://schemas.openxmlformats.org/presentationml/2006/main">
   <p:cSld>
     <p:spTree>
@@ -17389,7 +21369,7 @@
 </p:sld>
 </file>
 
-<file path=ppt/slides/slide6.xml><?xml version="1.0" encoding="utf-8"?>
+<file path=ppt/slides/slide7.xml><?xml version="1.0" encoding="utf-8"?>
 <p:sld xmlns:a="http://schemas.openxmlformats.org/drawingml/2006/main" xmlns:r="http://schemas.openxmlformats.org/officeDocument/2006/relationships" xmlns:p="http://schemas.openxmlformats.org/presentationml/2006/main">
   <p:cSld>
     <p:spTree>
@@ -17442,22 +21422,54 @@
           <a:bodyPr/>
           <a:lstStyle/>
           <a:p>
-            <a:endParaRPr/>
+            <a:endParaRPr dirty="0"/>
           </a:p>
           <a:p>
             <a:r>
+              <a:rPr dirty="0"/>
               <a:t>Delta Lake supports UPSERT (MERGE INTO)</a:t>
             </a:r>
           </a:p>
           <a:p>
             <a:r>
+              <a:rPr dirty="0"/>
               <a:t>Update existing rows, Insert new rows</a:t>
             </a:r>
           </a:p>
           <a:p>
             <a:r>
+              <a:rPr dirty="0"/>
               <a:t>Perform deletes efficiently</a:t>
             </a:r>
+            <a:endParaRPr lang="en-US" dirty="0"/>
+          </a:p>
+          <a:p>
+            <a:endParaRPr lang="en-IN" dirty="0"/>
+          </a:p>
+          <a:p>
+            <a:r>
+              <a:rPr lang="en-US" dirty="0"/>
+              <a:t>In plain </a:t>
+            </a:r>
+            <a:r>
+              <a:rPr lang="en-US" b="1" dirty="0"/>
+              <a:t>SQL on Parquet</a:t>
+            </a:r>
+            <a:r>
+              <a:rPr lang="en-US" dirty="0"/>
+              <a:t>, UPSERT isn’t possible directly (you’d need to rewrite entire files).</a:t>
+            </a:r>
+          </a:p>
+          <a:p>
+            <a:r>
+              <a:rPr lang="en-US" b="1" dirty="0"/>
+              <a:t>Delta Lake adds transaction logs + file management</a:t>
+            </a:r>
+            <a:r>
+              <a:rPr lang="en-US" dirty="0"/>
+              <a:t>, so updates, inserts, and deletes become efficient and atomic.</a:t>
+            </a:r>
+            <a:endParaRPr dirty="0"/>
           </a:p>
         </p:txBody>
       </p:sp>
@@ -17469,7 +21481,7 @@
 </p:sld>
 </file>
 
-<file path=ppt/slides/slide7.xml><?xml version="1.0" encoding="utf-8"?>
+<file path=ppt/slides/slide8.xml><?xml version="1.0" encoding="utf-8"?>
 <p:sld xmlns:a="http://schemas.openxmlformats.org/drawingml/2006/main" xmlns:r="http://schemas.openxmlformats.org/officeDocument/2006/relationships" xmlns:p="http://schemas.openxmlformats.org/presentationml/2006/main">
   <p:cSld>
     <p:spTree>
@@ -17522,22 +21534,48 @@
           <a:bodyPr/>
           <a:lstStyle/>
           <a:p>
-            <a:endParaRPr/>
+            <a:endParaRPr dirty="0"/>
           </a:p>
           <a:p>
             <a:r>
+              <a:rPr dirty="0"/>
               <a:t>Support for schema evolution</a:t>
             </a:r>
           </a:p>
           <a:p>
             <a:r>
+              <a:rPr dirty="0"/>
               <a:t>Add new columns automatically</a:t>
             </a:r>
           </a:p>
           <a:p>
             <a:r>
+              <a:rPr dirty="0"/>
               <a:t>Drop or rename columns with ALTER TABLE</a:t>
             </a:r>
+            <a:endParaRPr lang="en-US" dirty="0"/>
+          </a:p>
+          <a:p>
+            <a:endParaRPr lang="en-IN" dirty="0"/>
+          </a:p>
+          <a:p>
+            <a:r>
+              <a:rPr lang="en-IN" dirty="0"/>
+              <a:t>Note:</a:t>
+            </a:r>
+          </a:p>
+          <a:p>
+            <a:r>
+              <a:rPr lang="en-IN" dirty="0"/>
+              <a:t>In plain Parquet/CSV lakes, schema drift breaks pipelines.</a:t>
+            </a:r>
+          </a:p>
+          <a:p>
+            <a:r>
+              <a:rPr lang="en-IN" dirty="0"/>
+              <a:t>In Delta Lake, schema evolution + enforcement means pipelines are resilient to changing business requirements.</a:t>
+            </a:r>
+            <a:endParaRPr dirty="0"/>
           </a:p>
         </p:txBody>
       </p:sp>
@@ -17549,7 +21587,7 @@
 </p:sld>
 </file>
 
-<file path=ppt/slides/slide8.xml><?xml version="1.0" encoding="utf-8"?>
+<file path=ppt/slides/slide9.xml><?xml version="1.0" encoding="utf-8"?>
 <p:sld xmlns:a="http://schemas.openxmlformats.org/drawingml/2006/main" xmlns:r="http://schemas.openxmlformats.org/officeDocument/2006/relationships" xmlns:p="http://schemas.openxmlformats.org/presentationml/2006/main">
   <p:cSld>
     <p:spTree>
@@ -17599,107 +21637,101 @@
             <p:ph idx="1"/>
           </p:nvPr>
         </p:nvSpPr>
-        <p:spPr/>
+        <p:spPr>
+          <a:xfrm>
+            <a:off x="768096" y="2084831"/>
+            <a:ext cx="7290055" cy="4604203"/>
+          </a:xfrm>
+        </p:spPr>
         <p:txBody>
           <a:bodyPr/>
           <a:lstStyle/>
           <a:p>
-            <a:endParaRPr/>
+            <a:endParaRPr dirty="0"/>
           </a:p>
           <a:p>
             <a:r>
+              <a:rPr dirty="0"/>
               <a:t>Z-Ordering: Optimizes data skipping</a:t>
+            </a:r>
+            <a:endParaRPr lang="en-US" dirty="0"/>
+          </a:p>
+          <a:p>
+            <a:pPr lvl="1"/>
+            <a:r>
+              <a:rPr lang="en-US" dirty="0"/>
+              <a:t>Z-Ordering works like putting </a:t>
+            </a:r>
+            <a:r>
+              <a:rPr lang="en-US" b="1" dirty="0"/>
+              <a:t>similar values together in fewer files</a:t>
+            </a:r>
+            <a:r>
+              <a:rPr lang="en-US" dirty="0"/>
+              <a:t>, so queries can </a:t>
+            </a:r>
+            <a:r>
+              <a:rPr lang="en-US" b="1" dirty="0"/>
+              <a:t>skip irrelevant files quickly</a:t>
+            </a:r>
+            <a:r>
+              <a:rPr lang="en-US" dirty="0"/>
+              <a:t>.</a:t>
             </a:r>
           </a:p>
           <a:p>
+            <a:pPr lvl="1"/>
             <a:r>
-              <a:t>Partitioning: Organize large datasets</a:t>
+              <a:rPr lang="en-US" dirty="0"/>
+              <a:t>Think of </a:t>
             </a:r>
+            <a:r>
+              <a:rPr lang="en-US" b="1" dirty="0"/>
+              <a:t>Z-Ordering like sorting papers inside each drawer</a:t>
+            </a:r>
+            <a:r>
+              <a:rPr lang="en-US" dirty="0"/>
+              <a:t> so you find them quicker.</a:t>
+            </a:r>
+            <a:endParaRPr dirty="0"/>
           </a:p>
           <a:p>
             <a:r>
-              <a:t>Caching: Improves query performance</a:t>
+              <a:rPr dirty="0"/>
+              <a:t>Partitioning: Organize large datasets</a:t>
             </a:r>
+            <a:endParaRPr lang="en-US" dirty="0"/>
           </a:p>
-        </p:txBody>
-      </p:sp>
-    </p:spTree>
-  </p:cSld>
-  <p:clrMapOvr>
-    <a:masterClrMapping/>
-  </p:clrMapOvr>
-</p:sld>
-</file>
-
-<file path=ppt/slides/slide9.xml><?xml version="1.0" encoding="utf-8"?>
-<p:sld xmlns:a="http://schemas.openxmlformats.org/drawingml/2006/main" xmlns:r="http://schemas.openxmlformats.org/officeDocument/2006/relationships" xmlns:p="http://schemas.openxmlformats.org/presentationml/2006/main">
-  <p:cSld>
-    <p:spTree>
-      <p:nvGrpSpPr>
-        <p:cNvPr id="1" name=""/>
-        <p:cNvGrpSpPr/>
-        <p:nvPr/>
-      </p:nvGrpSpPr>
-      <p:grpSpPr>
-        <a:xfrm>
-          <a:off x="0" y="0"/>
-          <a:ext cx="0" cy="0"/>
-          <a:chOff x="0" y="0"/>
-          <a:chExt cx="0" cy="0"/>
-        </a:xfrm>
-      </p:grpSpPr>
-      <p:sp>
-        <p:nvSpPr>
-          <p:cNvPr id="2" name="Title 1"/>
-          <p:cNvSpPr>
-            <a:spLocks noGrp="1"/>
-          </p:cNvSpPr>
-          <p:nvPr>
-            <p:ph type="title"/>
-          </p:nvPr>
-        </p:nvSpPr>
-        <p:spPr/>
-        <p:txBody>
-          <a:bodyPr/>
-          <a:lstStyle/>
           <a:p>
+            <a:pPr lvl="1"/>
             <a:r>
-              <a:t>Streaming with Delta tables</a:t>
+              <a:rPr lang="en-US" dirty="0"/>
+              <a:t>Think of </a:t>
             </a:r>
-          </a:p>
-        </p:txBody>
-      </p:sp>
-      <p:sp>
-        <p:nvSpPr>
-          <p:cNvPr id="3" name="Content Placeholder 2"/>
-          <p:cNvSpPr>
-            <a:spLocks noGrp="1"/>
-          </p:cNvSpPr>
-          <p:nvPr>
-            <p:ph idx="1"/>
-          </p:nvPr>
-        </p:nvSpPr>
-        <p:spPr/>
-        <p:txBody>
-          <a:bodyPr/>
-          <a:lstStyle/>
-          <a:p>
-            <a:endParaRPr/>
+            <a:r>
+              <a:rPr lang="en-US" b="1" dirty="0"/>
+              <a:t>Partitioning like drawers in a filing cabinet</a:t>
+            </a:r>
+            <a:r>
+              <a:rPr lang="en-US" dirty="0"/>
+              <a:t> (you only open the relevant drawer).</a:t>
+            </a:r>
+            <a:endParaRPr dirty="0"/>
           </a:p>
           <a:p>
             <a:r>
-              <a:t>Delta integrates with Structured Streaming</a:t>
+              <a:rPr dirty="0"/>
+              <a:t>Caching: Improves query performance</a:t>
             </a:r>
+            <a:endParaRPr lang="en-US" dirty="0"/>
           </a:p>
           <a:p>
+            <a:pPr lvl="1"/>
             <a:r>
-              <a:t>Supports real-time reads and writes</a:t>
+              <a:rPr lang="en-US" dirty="0"/>
+              <a:t>keep hot data in memory for repeated queries.</a:t>
             </a:r>
-          </a:p>
-          <a:p>
-            <a:r>
-              <a:t>Exactly-once processing guarantees</a:t>
-            </a:r>
+            <a:endParaRPr dirty="0"/>
           </a:p>
         </p:txBody>
       </p:sp>
